--- a/Kinect.pptx
+++ b/Kinect.pptx
@@ -4,8 +4,14 @@
   <p:sldMasterIdLst>
     <p:sldMasterId id="2147483648" r:id="rId1"/>
   </p:sldMasterIdLst>
+  <p:notesMasterIdLst>
+    <p:notesMasterId r:id="rId6"/>
+  </p:notesMasterIdLst>
   <p:sldIdLst>
     <p:sldId id="256" r:id="rId2"/>
+    <p:sldId id="257" r:id="rId3"/>
+    <p:sldId id="258" r:id="rId4"/>
+    <p:sldId id="259" r:id="rId5"/>
   </p:sldIdLst>
   <p:sldSz cx="12192000" cy="6858000"/>
   <p:notesSz cx="6858000" cy="9144000"/>
@@ -104,7 +110,365 @@
       </a:defRPr>
     </a:lvl9pPr>
   </p:defaultTextStyle>
+  <p:extLst>
+    <p:ext uri="{EFAFB233-063F-42B5-8137-9DF3F51BA10A}">
+      <p15:sldGuideLst xmlns:p15="http://schemas.microsoft.com/office/powerpoint/2012/main"/>
+    </p:ext>
+  </p:extLst>
 </p:presentation>
+</file>
+
+<file path=ppt/revisionInfo.xml><?xml version="1.0" encoding="utf-8"?>
+<p1510:revInfo xmlns:a="http://schemas.openxmlformats.org/drawingml/2006/main" xmlns:r="http://schemas.openxmlformats.org/officeDocument/2006/relationships" xmlns:p1510="http://schemas.microsoft.com/office/powerpoint/2015/10/main"/>
+</file>
+
+<file path=ppt/notesMasters/notesMaster1.xml><?xml version="1.0" encoding="utf-8"?>
+<p:notesMaster xmlns:a="http://schemas.openxmlformats.org/drawingml/2006/main" xmlns:r="http://schemas.openxmlformats.org/officeDocument/2006/relationships" xmlns:p="http://schemas.openxmlformats.org/presentationml/2006/main">
+  <p:cSld>
+    <p:bg>
+      <p:bgRef idx="1001">
+        <a:schemeClr val="bg1"/>
+      </p:bgRef>
+    </p:bg>
+    <p:spTree>
+      <p:nvGrpSpPr>
+        <p:cNvPr id="1" name=""/>
+        <p:cNvGrpSpPr/>
+        <p:nvPr/>
+      </p:nvGrpSpPr>
+      <p:grpSpPr>
+        <a:xfrm>
+          <a:off x="0" y="0"/>
+          <a:ext cx="0" cy="0"/>
+          <a:chOff x="0" y="0"/>
+          <a:chExt cx="0" cy="0"/>
+        </a:xfrm>
+      </p:grpSpPr>
+      <p:sp>
+        <p:nvSpPr>
+          <p:cNvPr id="2" name="Espace réservé de l'en-tête 1"/>
+          <p:cNvSpPr>
+            <a:spLocks noGrp="1"/>
+          </p:cNvSpPr>
+          <p:nvPr>
+            <p:ph type="hdr" sz="quarter"/>
+          </p:nvPr>
+        </p:nvSpPr>
+        <p:spPr>
+          <a:xfrm>
+            <a:off x="0" y="0"/>
+            <a:ext cx="2971800" cy="458788"/>
+          </a:xfrm>
+          <a:prstGeom prst="rect">
+            <a:avLst/>
+          </a:prstGeom>
+        </p:spPr>
+        <p:txBody>
+          <a:bodyPr vert="horz" lIns="91440" tIns="45720" rIns="91440" bIns="45720" rtlCol="0"/>
+          <a:lstStyle>
+            <a:lvl1pPr algn="l">
+              <a:defRPr sz="1200"/>
+            </a:lvl1pPr>
+          </a:lstStyle>
+          <a:p>
+            <a:endParaRPr lang="fr-FR"/>
+          </a:p>
+        </p:txBody>
+      </p:sp>
+      <p:sp>
+        <p:nvSpPr>
+          <p:cNvPr id="3" name="Espace réservé de la date 2"/>
+          <p:cNvSpPr>
+            <a:spLocks noGrp="1"/>
+          </p:cNvSpPr>
+          <p:nvPr>
+            <p:ph type="dt" idx="1"/>
+          </p:nvPr>
+        </p:nvSpPr>
+        <p:spPr>
+          <a:xfrm>
+            <a:off x="3884613" y="0"/>
+            <a:ext cx="2971800" cy="458788"/>
+          </a:xfrm>
+          <a:prstGeom prst="rect">
+            <a:avLst/>
+          </a:prstGeom>
+        </p:spPr>
+        <p:txBody>
+          <a:bodyPr vert="horz" lIns="91440" tIns="45720" rIns="91440" bIns="45720" rtlCol="0"/>
+          <a:lstStyle>
+            <a:lvl1pPr algn="r">
+              <a:defRPr sz="1200"/>
+            </a:lvl1pPr>
+          </a:lstStyle>
+          <a:p>
+            <a:fld id="{485EE6BD-A568-4DC2-A058-736B3EC98A05}" type="datetimeFigureOut">
+              <a:rPr lang="fr-FR" smtClean="0"/>
+              <a:t>10/01/2018</a:t>
+            </a:fld>
+            <a:endParaRPr lang="fr-FR"/>
+          </a:p>
+        </p:txBody>
+      </p:sp>
+      <p:sp>
+        <p:nvSpPr>
+          <p:cNvPr id="4" name="Espace réservé de l'image des diapositives 3"/>
+          <p:cNvSpPr>
+            <a:spLocks noGrp="1" noRot="1" noChangeAspect="1"/>
+          </p:cNvSpPr>
+          <p:nvPr>
+            <p:ph type="sldImg" idx="2"/>
+          </p:nvPr>
+        </p:nvSpPr>
+        <p:spPr>
+          <a:xfrm>
+            <a:off x="685800" y="1143000"/>
+            <a:ext cx="5486400" cy="3086100"/>
+          </a:xfrm>
+          <a:prstGeom prst="rect">
+            <a:avLst/>
+          </a:prstGeom>
+          <a:noFill/>
+          <a:ln w="12700">
+            <a:solidFill>
+              <a:prstClr val="black"/>
+            </a:solidFill>
+          </a:ln>
+        </p:spPr>
+        <p:txBody>
+          <a:bodyPr vert="horz" lIns="91440" tIns="45720" rIns="91440" bIns="45720" rtlCol="0" anchor="ctr"/>
+          <a:lstStyle/>
+          <a:p>
+            <a:endParaRPr lang="fr-FR"/>
+          </a:p>
+        </p:txBody>
+      </p:sp>
+      <p:sp>
+        <p:nvSpPr>
+          <p:cNvPr id="5" name="Espace réservé des notes 4"/>
+          <p:cNvSpPr>
+            <a:spLocks noGrp="1"/>
+          </p:cNvSpPr>
+          <p:nvPr>
+            <p:ph type="body" sz="quarter" idx="3"/>
+          </p:nvPr>
+        </p:nvSpPr>
+        <p:spPr>
+          <a:xfrm>
+            <a:off x="685800" y="4400550"/>
+            <a:ext cx="5486400" cy="3600450"/>
+          </a:xfrm>
+          <a:prstGeom prst="rect">
+            <a:avLst/>
+          </a:prstGeom>
+        </p:spPr>
+        <p:txBody>
+          <a:bodyPr vert="horz" lIns="91440" tIns="45720" rIns="91440" bIns="45720" rtlCol="0"/>
+          <a:lstStyle/>
+          <a:p>
+            <a:pPr lvl="0"/>
+            <a:r>
+              <a:rPr lang="fr-FR"/>
+              <a:t>Modifier les styles du texte du masque</a:t>
+            </a:r>
+          </a:p>
+          <a:p>
+            <a:pPr lvl="1"/>
+            <a:r>
+              <a:rPr lang="fr-FR"/>
+              <a:t>Deuxième niveau</a:t>
+            </a:r>
+          </a:p>
+          <a:p>
+            <a:pPr lvl="2"/>
+            <a:r>
+              <a:rPr lang="fr-FR"/>
+              <a:t>Troisième niveau</a:t>
+            </a:r>
+          </a:p>
+          <a:p>
+            <a:pPr lvl="3"/>
+            <a:r>
+              <a:rPr lang="fr-FR"/>
+              <a:t>Quatrième niveau</a:t>
+            </a:r>
+          </a:p>
+          <a:p>
+            <a:pPr lvl="4"/>
+            <a:r>
+              <a:rPr lang="fr-FR"/>
+              <a:t>Cinquième niveau</a:t>
+            </a:r>
+          </a:p>
+        </p:txBody>
+      </p:sp>
+      <p:sp>
+        <p:nvSpPr>
+          <p:cNvPr id="6" name="Espace réservé du pied de page 5"/>
+          <p:cNvSpPr>
+            <a:spLocks noGrp="1"/>
+          </p:cNvSpPr>
+          <p:nvPr>
+            <p:ph type="ftr" sz="quarter" idx="4"/>
+          </p:nvPr>
+        </p:nvSpPr>
+        <p:spPr>
+          <a:xfrm>
+            <a:off x="0" y="8685213"/>
+            <a:ext cx="2971800" cy="458787"/>
+          </a:xfrm>
+          <a:prstGeom prst="rect">
+            <a:avLst/>
+          </a:prstGeom>
+        </p:spPr>
+        <p:txBody>
+          <a:bodyPr vert="horz" lIns="91440" tIns="45720" rIns="91440" bIns="45720" rtlCol="0" anchor="b"/>
+          <a:lstStyle>
+            <a:lvl1pPr algn="l">
+              <a:defRPr sz="1200"/>
+            </a:lvl1pPr>
+          </a:lstStyle>
+          <a:p>
+            <a:endParaRPr lang="fr-FR"/>
+          </a:p>
+        </p:txBody>
+      </p:sp>
+      <p:sp>
+        <p:nvSpPr>
+          <p:cNvPr id="7" name="Espace réservé du numéro de diapositive 6"/>
+          <p:cNvSpPr>
+            <a:spLocks noGrp="1"/>
+          </p:cNvSpPr>
+          <p:nvPr>
+            <p:ph type="sldNum" sz="quarter" idx="5"/>
+          </p:nvPr>
+        </p:nvSpPr>
+        <p:spPr>
+          <a:xfrm>
+            <a:off x="3884613" y="8685213"/>
+            <a:ext cx="2971800" cy="458787"/>
+          </a:xfrm>
+          <a:prstGeom prst="rect">
+            <a:avLst/>
+          </a:prstGeom>
+        </p:spPr>
+        <p:txBody>
+          <a:bodyPr vert="horz" lIns="91440" tIns="45720" rIns="91440" bIns="45720" rtlCol="0" anchor="b"/>
+          <a:lstStyle>
+            <a:lvl1pPr algn="r">
+              <a:defRPr sz="1200"/>
+            </a:lvl1pPr>
+          </a:lstStyle>
+          <a:p>
+            <a:fld id="{023DF8FA-9EB8-48E7-B7B3-475C6CE4B2AB}" type="slidenum">
+              <a:rPr lang="fr-FR" smtClean="0"/>
+              <a:t>‹N°›</a:t>
+            </a:fld>
+            <a:endParaRPr lang="fr-FR"/>
+          </a:p>
+        </p:txBody>
+      </p:sp>
+    </p:spTree>
+    <p:extLst>
+      <p:ext uri="{BB962C8B-B14F-4D97-AF65-F5344CB8AC3E}">
+        <p14:creationId xmlns:p14="http://schemas.microsoft.com/office/powerpoint/2010/main" val="4133401320"/>
+      </p:ext>
+    </p:extLst>
+  </p:cSld>
+  <p:clrMap bg1="lt1" tx1="dk1" bg2="lt2" tx2="dk2" accent1="accent1" accent2="accent2" accent3="accent3" accent4="accent4" accent5="accent5" accent6="accent6" hlink="hlink" folHlink="folHlink"/>
+  <p:notesStyle>
+    <a:lvl1pPr marL="0" algn="l" defTabSz="914400" rtl="0" eaLnBrk="1" latinLnBrk="0" hangingPunct="1">
+      <a:defRPr sz="1200" kern="1200">
+        <a:solidFill>
+          <a:schemeClr val="tx1"/>
+        </a:solidFill>
+        <a:latin typeface="+mn-lt"/>
+        <a:ea typeface="+mn-ea"/>
+        <a:cs typeface="+mn-cs"/>
+      </a:defRPr>
+    </a:lvl1pPr>
+    <a:lvl2pPr marL="457200" algn="l" defTabSz="914400" rtl="0" eaLnBrk="1" latinLnBrk="0" hangingPunct="1">
+      <a:defRPr sz="1200" kern="1200">
+        <a:solidFill>
+          <a:schemeClr val="tx1"/>
+        </a:solidFill>
+        <a:latin typeface="+mn-lt"/>
+        <a:ea typeface="+mn-ea"/>
+        <a:cs typeface="+mn-cs"/>
+      </a:defRPr>
+    </a:lvl2pPr>
+    <a:lvl3pPr marL="914400" algn="l" defTabSz="914400" rtl="0" eaLnBrk="1" latinLnBrk="0" hangingPunct="1">
+      <a:defRPr sz="1200" kern="1200">
+        <a:solidFill>
+          <a:schemeClr val="tx1"/>
+        </a:solidFill>
+        <a:latin typeface="+mn-lt"/>
+        <a:ea typeface="+mn-ea"/>
+        <a:cs typeface="+mn-cs"/>
+      </a:defRPr>
+    </a:lvl3pPr>
+    <a:lvl4pPr marL="1371600" algn="l" defTabSz="914400" rtl="0" eaLnBrk="1" latinLnBrk="0" hangingPunct="1">
+      <a:defRPr sz="1200" kern="1200">
+        <a:solidFill>
+          <a:schemeClr val="tx1"/>
+        </a:solidFill>
+        <a:latin typeface="+mn-lt"/>
+        <a:ea typeface="+mn-ea"/>
+        <a:cs typeface="+mn-cs"/>
+      </a:defRPr>
+    </a:lvl4pPr>
+    <a:lvl5pPr marL="1828800" algn="l" defTabSz="914400" rtl="0" eaLnBrk="1" latinLnBrk="0" hangingPunct="1">
+      <a:defRPr sz="1200" kern="1200">
+        <a:solidFill>
+          <a:schemeClr val="tx1"/>
+        </a:solidFill>
+        <a:latin typeface="+mn-lt"/>
+        <a:ea typeface="+mn-ea"/>
+        <a:cs typeface="+mn-cs"/>
+      </a:defRPr>
+    </a:lvl5pPr>
+    <a:lvl6pPr marL="2286000" algn="l" defTabSz="914400" rtl="0" eaLnBrk="1" latinLnBrk="0" hangingPunct="1">
+      <a:defRPr sz="1200" kern="1200">
+        <a:solidFill>
+          <a:schemeClr val="tx1"/>
+        </a:solidFill>
+        <a:latin typeface="+mn-lt"/>
+        <a:ea typeface="+mn-ea"/>
+        <a:cs typeface="+mn-cs"/>
+      </a:defRPr>
+    </a:lvl6pPr>
+    <a:lvl7pPr marL="2743200" algn="l" defTabSz="914400" rtl="0" eaLnBrk="1" latinLnBrk="0" hangingPunct="1">
+      <a:defRPr sz="1200" kern="1200">
+        <a:solidFill>
+          <a:schemeClr val="tx1"/>
+        </a:solidFill>
+        <a:latin typeface="+mn-lt"/>
+        <a:ea typeface="+mn-ea"/>
+        <a:cs typeface="+mn-cs"/>
+      </a:defRPr>
+    </a:lvl7pPr>
+    <a:lvl8pPr marL="3200400" algn="l" defTabSz="914400" rtl="0" eaLnBrk="1" latinLnBrk="0" hangingPunct="1">
+      <a:defRPr sz="1200" kern="1200">
+        <a:solidFill>
+          <a:schemeClr val="tx1"/>
+        </a:solidFill>
+        <a:latin typeface="+mn-lt"/>
+        <a:ea typeface="+mn-ea"/>
+        <a:cs typeface="+mn-cs"/>
+      </a:defRPr>
+    </a:lvl8pPr>
+    <a:lvl9pPr marL="3657600" algn="l" defTabSz="914400" rtl="0" eaLnBrk="1" latinLnBrk="0" hangingPunct="1">
+      <a:defRPr sz="1200" kern="1200">
+        <a:solidFill>
+          <a:schemeClr val="tx1"/>
+        </a:solidFill>
+        <a:latin typeface="+mn-lt"/>
+        <a:ea typeface="+mn-ea"/>
+        <a:cs typeface="+mn-cs"/>
+      </a:defRPr>
+    </a:lvl9pPr>
+  </p:notesStyle>
+</p:notesMaster>
 </file>
 
 <file path=ppt/slideLayouts/slideLayout1.xml><?xml version="1.0" encoding="utf-8"?>
@@ -827,9 +1191,8 @@
           <a:bodyPr/>
           <a:lstStyle/>
           <a:p>
-            <a:fld id="{B61BEF0D-F0BB-DE4B-95CE-6DB70DBA9567}" type="datetimeFigureOut">
-              <a:rPr lang="en-US" dirty="0"/>
-              <a:pPr/>
+            <a:fld id="{1D7283FF-0739-409E-AC09-23B48695D3DE}" type="datetime1">
+              <a:rPr lang="en-US" smtClean="0"/>
               <a:t>1/10/2018</a:t>
             </a:fld>
             <a:endParaRPr lang="en-US" dirty="0"/>
@@ -1075,9 +1438,8 @@
           <a:bodyPr/>
           <a:lstStyle/>
           <a:p>
-            <a:fld id="{B61BEF0D-F0BB-DE4B-95CE-6DB70DBA9567}" type="datetimeFigureOut">
-              <a:rPr lang="en-US" dirty="0"/>
-              <a:pPr/>
+            <a:fld id="{B84A11E9-0F83-4528-A54A-4712234295C6}" type="datetime1">
+              <a:rPr lang="en-US" smtClean="0"/>
               <a:t>1/10/2018</a:t>
             </a:fld>
             <a:endParaRPr lang="en-US" dirty="0"/>
@@ -1386,9 +1748,8 @@
           <a:bodyPr/>
           <a:lstStyle/>
           <a:p>
-            <a:fld id="{B61BEF0D-F0BB-DE4B-95CE-6DB70DBA9567}" type="datetimeFigureOut">
-              <a:rPr lang="en-US" dirty="0"/>
-              <a:pPr/>
+            <a:fld id="{A3411BA1-3FDD-4C26-8D25-3F323C40AA5B}" type="datetime1">
+              <a:rPr lang="en-US" smtClean="0"/>
               <a:t>1/10/2018</a:t>
             </a:fld>
             <a:endParaRPr lang="en-US" dirty="0"/>
@@ -1724,9 +2085,8 @@
           <a:bodyPr/>
           <a:lstStyle/>
           <a:p>
-            <a:fld id="{B61BEF0D-F0BB-DE4B-95CE-6DB70DBA9567}" type="datetimeFigureOut">
-              <a:rPr lang="en-US" dirty="0"/>
-              <a:pPr/>
+            <a:fld id="{C6A7B40F-28FA-48A3-86CA-552F23C7CC48}" type="datetime1">
+              <a:rPr lang="en-US" smtClean="0"/>
               <a:t>1/10/2018</a:t>
             </a:fld>
             <a:endParaRPr lang="en-US" dirty="0"/>
@@ -2035,9 +2395,8 @@
           <a:bodyPr/>
           <a:lstStyle/>
           <a:p>
-            <a:fld id="{B61BEF0D-F0BB-DE4B-95CE-6DB70DBA9567}" type="datetimeFigureOut">
-              <a:rPr lang="en-US" dirty="0"/>
-              <a:pPr/>
+            <a:fld id="{B44D4B9C-F276-4F6B-A6AA-EAEEF8C77D71}" type="datetime1">
+              <a:rPr lang="en-US" smtClean="0"/>
               <a:t>1/10/2018</a:t>
             </a:fld>
             <a:endParaRPr lang="en-US" dirty="0"/>
@@ -2425,9 +2784,8 @@
           <a:bodyPr/>
           <a:lstStyle/>
           <a:p>
-            <a:fld id="{B61BEF0D-F0BB-DE4B-95CE-6DB70DBA9567}" type="datetimeFigureOut">
-              <a:rPr lang="en-US" dirty="0"/>
-              <a:pPr/>
+            <a:fld id="{947F70AC-C298-451E-9E6F-9CC6F6AFA2DC}" type="datetime1">
+              <a:rPr lang="en-US" smtClean="0"/>
               <a:t>1/10/2018</a:t>
             </a:fld>
             <a:endParaRPr lang="en-US" dirty="0"/>
@@ -2592,8 +2950,8 @@
           <a:bodyPr/>
           <a:lstStyle/>
           <a:p>
-            <a:fld id="{55C6B4A9-1611-4792-9094-5F34BCA07E0B}" type="datetimeFigureOut">
-              <a:rPr lang="en-US" dirty="0"/>
+            <a:fld id="{4B718098-8976-4C12-A82A-41E592802100}" type="datetime1">
+              <a:rPr lang="en-US" smtClean="0"/>
               <a:t>1/10/2018</a:t>
             </a:fld>
             <a:endParaRPr lang="en-US" dirty="0"/>
@@ -2767,9 +3125,8 @@
           <a:bodyPr/>
           <a:lstStyle/>
           <a:p>
-            <a:fld id="{B61BEF0D-F0BB-DE4B-95CE-6DB70DBA9567}" type="datetimeFigureOut">
-              <a:rPr lang="en-US" dirty="0"/>
-              <a:pPr/>
+            <a:fld id="{206F4AD1-AEDB-4DB4-8210-F299541CA960}" type="datetime1">
+              <a:rPr lang="en-US" smtClean="0"/>
               <a:t>1/10/2018</a:t>
             </a:fld>
             <a:endParaRPr lang="en-US" dirty="0"/>
@@ -2940,9 +3297,8 @@
           <a:bodyPr/>
           <a:lstStyle/>
           <a:p>
-            <a:fld id="{B61BEF0D-F0BB-DE4B-95CE-6DB70DBA9567}" type="datetimeFigureOut">
-              <a:rPr lang="en-US" dirty="0"/>
-              <a:pPr/>
+            <a:fld id="{233120F1-F4A6-4653-A719-5ED1AEAA0142}" type="datetime1">
+              <a:rPr lang="en-US" smtClean="0"/>
               <a:t>1/10/2018</a:t>
             </a:fld>
             <a:endParaRPr lang="en-US" dirty="0"/>
@@ -3184,9 +3540,8 @@
           <a:bodyPr/>
           <a:lstStyle/>
           <a:p>
-            <a:fld id="{B61BEF0D-F0BB-DE4B-95CE-6DB70DBA9567}" type="datetimeFigureOut">
-              <a:rPr lang="en-US" dirty="0"/>
-              <a:pPr/>
+            <a:fld id="{19238D8C-6227-44B6-B075-678F76610FD8}" type="datetime1">
+              <a:rPr lang="en-US" smtClean="0"/>
               <a:t>1/10/2018</a:t>
             </a:fld>
             <a:endParaRPr lang="en-US" dirty="0"/>
@@ -3413,8 +3768,8 @@
           <a:bodyPr/>
           <a:lstStyle/>
           <a:p>
-            <a:fld id="{EB712588-04B1-427B-82EE-E8DB90309F08}" type="datetimeFigureOut">
-              <a:rPr lang="en-US" dirty="0"/>
+            <a:fld id="{B5339ACF-1394-4745-9F8E-D0996DBF64AA}" type="datetime1">
+              <a:rPr lang="en-US" smtClean="0"/>
               <a:t>1/10/2018</a:t>
             </a:fld>
             <a:endParaRPr lang="en-US" dirty="0"/>
@@ -3782,9 +4137,8 @@
           <a:bodyPr/>
           <a:lstStyle/>
           <a:p>
-            <a:fld id="{B61BEF0D-F0BB-DE4B-95CE-6DB70DBA9567}" type="datetimeFigureOut">
-              <a:rPr lang="en-US" dirty="0"/>
-              <a:pPr/>
+            <a:fld id="{1A57028E-6EE8-4050-841E-2B2738471E6D}" type="datetime1">
+              <a:rPr lang="en-US" smtClean="0"/>
               <a:t>1/10/2018</a:t>
             </a:fld>
             <a:endParaRPr lang="en-US" dirty="0"/>
@@ -3902,9 +4256,8 @@
           <a:bodyPr/>
           <a:lstStyle/>
           <a:p>
-            <a:fld id="{B61BEF0D-F0BB-DE4B-95CE-6DB70DBA9567}" type="datetimeFigureOut">
-              <a:rPr lang="en-US" dirty="0"/>
-              <a:pPr/>
+            <a:fld id="{E7B2B789-0642-4749-8204-067AC133C500}" type="datetime1">
+              <a:rPr lang="en-US" smtClean="0"/>
               <a:t>1/10/2018</a:t>
             </a:fld>
             <a:endParaRPr lang="en-US" dirty="0"/>
@@ -3994,9 +4347,8 @@
           <a:bodyPr/>
           <a:lstStyle/>
           <a:p>
-            <a:fld id="{B61BEF0D-F0BB-DE4B-95CE-6DB70DBA9567}" type="datetimeFigureOut">
-              <a:rPr lang="en-US" dirty="0"/>
-              <a:pPr/>
+            <a:fld id="{DE55BA20-D06D-4D50-9B4E-9CAB17B93F49}" type="datetime1">
+              <a:rPr lang="en-US" smtClean="0"/>
               <a:t>1/10/2018</a:t>
             </a:fld>
             <a:endParaRPr lang="en-US" dirty="0"/>
@@ -4246,8 +4598,8 @@
           <a:bodyPr/>
           <a:lstStyle/>
           <a:p>
-            <a:fld id="{42A54C80-263E-416B-A8E0-580EDEADCBDC}" type="datetimeFigureOut">
-              <a:rPr lang="en-US" dirty="0"/>
+            <a:fld id="{D1E1F523-2E6E-4327-A214-F72329BD9D5A}" type="datetime1">
+              <a:rPr lang="en-US" smtClean="0"/>
               <a:t>1/10/2018</a:t>
             </a:fld>
             <a:endParaRPr lang="en-US" dirty="0"/>
@@ -4504,9 +4856,8 @@
           <a:bodyPr/>
           <a:lstStyle/>
           <a:p>
-            <a:fld id="{B61BEF0D-F0BB-DE4B-95CE-6DB70DBA9567}" type="datetimeFigureOut">
-              <a:rPr lang="en-US" dirty="0"/>
-              <a:pPr/>
+            <a:fld id="{21074212-4641-4C79-8DB0-E61E253F8D6E}" type="datetime1">
+              <a:rPr lang="en-US" smtClean="0"/>
               <a:t>1/10/2018</a:t>
             </a:fld>
             <a:endParaRPr lang="en-US" dirty="0"/>
@@ -5244,9 +5595,8 @@
             </a:lvl1pPr>
           </a:lstStyle>
           <a:p>
-            <a:fld id="{B61BEF0D-F0BB-DE4B-95CE-6DB70DBA9567}" type="datetimeFigureOut">
-              <a:rPr lang="en-US" dirty="0"/>
-              <a:pPr/>
+            <a:fld id="{B6314C97-E660-4023-8270-C250313751D0}" type="datetime1">
+              <a:rPr lang="en-US" smtClean="0"/>
               <a:t>1/10/2018</a:t>
             </a:fld>
             <a:endParaRPr lang="en-US" dirty="0"/>
@@ -5351,6 +5701,7 @@
     <p:sldLayoutId id="2147483667" r:id="rId15"/>
     <p:sldLayoutId id="2147483659" r:id="rId16"/>
   </p:sldLayoutIdLst>
+  <p:hf hdr="0" ftr="0" dt="0"/>
   <p:txStyles>
     <p:titleStyle>
       <a:lvl1pPr algn="l" defTabSz="457200" rtl="0" eaLnBrk="1" latinLnBrk="0" hangingPunct="1">
@@ -6036,7 +6387,7 @@
         </p:nvSpPr>
         <p:spPr>
           <a:xfrm>
-            <a:off x="6439133" y="6017872"/>
+            <a:off x="5390535" y="6041362"/>
             <a:ext cx="2834870" cy="369332"/>
           </a:xfrm>
           <a:prstGeom prst="rect">
@@ -6070,6 +6421,36 @@
               </a:rPr>
               <a:t>Mercredi 10 Janvier 2018</a:t>
             </a:r>
+          </a:p>
+        </p:txBody>
+      </p:sp>
+      <p:sp>
+        <p:nvSpPr>
+          <p:cNvPr id="5" name="Espace réservé du numéro de diapositive 4">
+            <a:extLst>
+              <a:ext uri="{FF2B5EF4-FFF2-40B4-BE49-F238E27FC236}">
+                <a16:creationId xmlns:a16="http://schemas.microsoft.com/office/drawing/2014/main" id="{C2B2FD5A-A081-4668-A08D-AFD5205E43C9}"/>
+              </a:ext>
+            </a:extLst>
+          </p:cNvPr>
+          <p:cNvSpPr>
+            <a:spLocks noGrp="1"/>
+          </p:cNvSpPr>
+          <p:nvPr>
+            <p:ph type="sldNum" sz="quarter" idx="12"/>
+          </p:nvPr>
+        </p:nvSpPr>
+        <p:spPr/>
+        <p:txBody>
+          <a:bodyPr/>
+          <a:lstStyle/>
+          <a:p>
+            <a:fld id="{D57F1E4F-1CFF-5643-939E-217C01CDF565}" type="slidenum">
+              <a:rPr lang="en-US" smtClean="0"/>
+              <a:pPr/>
+              <a:t>1</a:t>
+            </a:fld>
+            <a:endParaRPr lang="en-US" dirty="0"/>
           </a:p>
         </p:txBody>
       </p:sp>
@@ -6083,6 +6464,1566 @@
   <p:clrMapOvr>
     <a:masterClrMapping/>
   </p:clrMapOvr>
+</p:sld>
+</file>
+
+<file path=ppt/slides/slide2.xml><?xml version="1.0" encoding="utf-8"?>
+<p:sld xmlns:a="http://schemas.openxmlformats.org/drawingml/2006/main" xmlns:r="http://schemas.openxmlformats.org/officeDocument/2006/relationships" xmlns:p="http://schemas.openxmlformats.org/presentationml/2006/main">
+  <p:cSld>
+    <p:spTree>
+      <p:nvGrpSpPr>
+        <p:cNvPr id="1" name=""/>
+        <p:cNvGrpSpPr/>
+        <p:nvPr/>
+      </p:nvGrpSpPr>
+      <p:grpSpPr>
+        <a:xfrm>
+          <a:off x="0" y="0"/>
+          <a:ext cx="0" cy="0"/>
+          <a:chOff x="0" y="0"/>
+          <a:chExt cx="0" cy="0"/>
+        </a:xfrm>
+      </p:grpSpPr>
+      <p:pic>
+        <p:nvPicPr>
+          <p:cNvPr id="3074" name="Picture 2" descr="https://screenshots.en.sftcdn.net/en/scrn/69747000/69747917/ms-paint-01-700x438.png">
+            <a:extLst>
+              <a:ext uri="{FF2B5EF4-FFF2-40B4-BE49-F238E27FC236}">
+                <a16:creationId xmlns:a16="http://schemas.microsoft.com/office/drawing/2014/main" id="{DCF79942-4DAA-4B30-8665-404EF373262A}"/>
+              </a:ext>
+            </a:extLst>
+          </p:cNvPr>
+          <p:cNvPicPr>
+            <a:picLocks noChangeAspect="1" noChangeArrowheads="1"/>
+          </p:cNvPicPr>
+          <p:nvPr/>
+        </p:nvPicPr>
+        <p:blipFill>
+          <a:blip r:embed="rId2">
+            <a:extLst>
+              <a:ext uri="{28A0092B-C50C-407E-A947-70E740481C1C}">
+                <a14:useLocalDpi xmlns:a14="http://schemas.microsoft.com/office/drawing/2010/main" val="0"/>
+              </a:ext>
+            </a:extLst>
+          </a:blip>
+          <a:srcRect/>
+          <a:stretch>
+            <a:fillRect/>
+          </a:stretch>
+        </p:blipFill>
+        <p:spPr bwMode="auto">
+          <a:xfrm>
+            <a:off x="4554103" y="1639886"/>
+            <a:ext cx="4719899" cy="4401475"/>
+          </a:xfrm>
+          <a:prstGeom prst="rect">
+            <a:avLst/>
+          </a:prstGeom>
+          <a:noFill/>
+          <a:extLst>
+            <a:ext uri="{909E8E84-426E-40DD-AFC4-6F175D3DCCD1}">
+              <a14:hiddenFill xmlns:a14="http://schemas.microsoft.com/office/drawing/2010/main">
+                <a:solidFill>
+                  <a:srgbClr val="FFFFFF"/>
+                </a:solidFill>
+              </a14:hiddenFill>
+            </a:ext>
+          </a:extLst>
+        </p:spPr>
+      </p:pic>
+      <p:sp>
+        <p:nvSpPr>
+          <p:cNvPr id="2" name="Titre 1">
+            <a:extLst>
+              <a:ext uri="{FF2B5EF4-FFF2-40B4-BE49-F238E27FC236}">
+                <a16:creationId xmlns:a16="http://schemas.microsoft.com/office/drawing/2014/main" id="{EC3259C6-E325-497A-9F4B-9E428A8415BC}"/>
+              </a:ext>
+            </a:extLst>
+          </p:cNvPr>
+          <p:cNvSpPr>
+            <a:spLocks noGrp="1"/>
+          </p:cNvSpPr>
+          <p:nvPr>
+            <p:ph type="title"/>
+          </p:nvPr>
+        </p:nvSpPr>
+        <p:spPr/>
+        <p:txBody>
+          <a:bodyPr/>
+          <a:lstStyle/>
+          <a:p>
+            <a:r>
+              <a:rPr lang="fr-FR" dirty="0"/>
+              <a:t>Kinect : Détection Gestuelle</a:t>
+            </a:r>
+          </a:p>
+        </p:txBody>
+      </p:sp>
+      <p:pic>
+        <p:nvPicPr>
+          <p:cNvPr id="5" name="Espace réservé du contenu 4">
+            <a:extLst>
+              <a:ext uri="{FF2B5EF4-FFF2-40B4-BE49-F238E27FC236}">
+                <a16:creationId xmlns:a16="http://schemas.microsoft.com/office/drawing/2014/main" id="{41EFE0CE-C760-46BC-B3D1-818C3EC0298D}"/>
+              </a:ext>
+            </a:extLst>
+          </p:cNvPr>
+          <p:cNvPicPr>
+            <a:picLocks noGrp="1" noChangeAspect="1"/>
+          </p:cNvPicPr>
+          <p:nvPr>
+            <p:ph idx="1"/>
+          </p:nvPr>
+        </p:nvPicPr>
+        <p:blipFill>
+          <a:blip r:embed="rId3"/>
+          <a:stretch>
+            <a:fillRect/>
+          </a:stretch>
+        </p:blipFill>
+        <p:spPr>
+          <a:xfrm>
+            <a:off x="5606473" y="2760097"/>
+            <a:ext cx="2209113" cy="2945485"/>
+          </a:xfrm>
+        </p:spPr>
+      </p:pic>
+      <p:sp>
+        <p:nvSpPr>
+          <p:cNvPr id="6" name="ZoneTexte 5">
+            <a:extLst>
+              <a:ext uri="{FF2B5EF4-FFF2-40B4-BE49-F238E27FC236}">
+                <a16:creationId xmlns:a16="http://schemas.microsoft.com/office/drawing/2014/main" id="{9397C88D-8D7E-4F48-9E92-80DF3B8E24DE}"/>
+              </a:ext>
+            </a:extLst>
+          </p:cNvPr>
+          <p:cNvSpPr txBox="1"/>
+          <p:nvPr/>
+        </p:nvSpPr>
+        <p:spPr>
+          <a:xfrm>
+            <a:off x="677334" y="2143279"/>
+            <a:ext cx="4929139" cy="3226524"/>
+          </a:xfrm>
+          <a:prstGeom prst="rect">
+            <a:avLst/>
+          </a:prstGeom>
+          <a:noFill/>
+          <a:ln>
+            <a:noFill/>
+          </a:ln>
+        </p:spPr>
+        <p:txBody>
+          <a:bodyPr wrap="square" rtlCol="0" anchor="ctr">
+            <a:spAutoFit/>
+          </a:bodyPr>
+          <a:lstStyle/>
+          <a:p>
+            <a:pPr marL="342900" lvl="0" indent="-342900">
+              <a:spcBef>
+                <a:spcPts val="1000"/>
+              </a:spcBef>
+              <a:buClr>
+                <a:srgbClr val="90C226"/>
+              </a:buClr>
+              <a:buSzPct val="80000"/>
+              <a:buFont typeface="Wingdings 3" charset="2"/>
+              <a:buChar char=""/>
+            </a:pPr>
+            <a:r>
+              <a:rPr lang="fr-FR" dirty="0"/>
+              <a:t>Utilisation de la Kinect</a:t>
+            </a:r>
+          </a:p>
+          <a:p>
+            <a:pPr marL="285750" indent="-285750">
+              <a:buFont typeface="Arial" panose="020B0604020202020204" pitchFamily="34" charset="0"/>
+              <a:buChar char="•"/>
+            </a:pPr>
+            <a:endParaRPr lang="fr-FR" dirty="0"/>
+          </a:p>
+          <a:p>
+            <a:pPr marL="342900" lvl="0" indent="-342900">
+              <a:spcBef>
+                <a:spcPts val="1000"/>
+              </a:spcBef>
+              <a:buClr>
+                <a:srgbClr val="90C226"/>
+              </a:buClr>
+              <a:buSzPct val="80000"/>
+              <a:buFont typeface="Wingdings 3" charset="2"/>
+              <a:buChar char=""/>
+            </a:pPr>
+            <a:r>
+              <a:rPr lang="fr-FR" dirty="0"/>
+              <a:t>Windows SDK</a:t>
+            </a:r>
+          </a:p>
+          <a:p>
+            <a:pPr marL="285750" indent="-285750">
+              <a:buFont typeface="Arial" panose="020B0604020202020204" pitchFamily="34" charset="0"/>
+              <a:buChar char="•"/>
+            </a:pPr>
+            <a:endParaRPr lang="fr-FR" dirty="0"/>
+          </a:p>
+          <a:p>
+            <a:pPr marL="342900" lvl="0" indent="-342900">
+              <a:spcBef>
+                <a:spcPts val="1000"/>
+              </a:spcBef>
+              <a:buClr>
+                <a:srgbClr val="90C226"/>
+              </a:buClr>
+              <a:buSzPct val="80000"/>
+              <a:buFont typeface="Wingdings 3" charset="2"/>
+              <a:buChar char=""/>
+            </a:pPr>
+            <a:r>
+              <a:rPr lang="fr-FR" dirty="0"/>
+              <a:t>Test des points de repère</a:t>
+            </a:r>
+          </a:p>
+          <a:p>
+            <a:pPr marL="285750" indent="-285750">
+              <a:buFont typeface="Arial" panose="020B0604020202020204" pitchFamily="34" charset="0"/>
+              <a:buChar char="•"/>
+            </a:pPr>
+            <a:endParaRPr lang="fr-FR" dirty="0"/>
+          </a:p>
+          <a:p>
+            <a:pPr marL="342900" lvl="0" indent="-342900">
+              <a:spcBef>
+                <a:spcPts val="1000"/>
+              </a:spcBef>
+              <a:buClr>
+                <a:srgbClr val="90C226"/>
+              </a:buClr>
+              <a:buSzPct val="80000"/>
+              <a:buFont typeface="Wingdings 3" charset="2"/>
+              <a:buChar char=""/>
+            </a:pPr>
+            <a:r>
+              <a:rPr lang="fr-FR" dirty="0"/>
+              <a:t>Utilisation de VRPN</a:t>
+            </a:r>
+          </a:p>
+          <a:p>
+            <a:pPr marL="342900" lvl="0" indent="-342900">
+              <a:spcBef>
+                <a:spcPts val="1000"/>
+              </a:spcBef>
+              <a:buClr>
+                <a:srgbClr val="90C226"/>
+              </a:buClr>
+              <a:buSzPct val="80000"/>
+              <a:buFont typeface="Wingdings 3" charset="2"/>
+              <a:buChar char=""/>
+            </a:pPr>
+            <a:endParaRPr lang="fr-FR" dirty="0"/>
+          </a:p>
+          <a:p>
+            <a:pPr marL="342900" lvl="0" indent="-342900">
+              <a:spcBef>
+                <a:spcPts val="1000"/>
+              </a:spcBef>
+              <a:buClr>
+                <a:srgbClr val="90C226"/>
+              </a:buClr>
+              <a:buSzPct val="80000"/>
+              <a:buFont typeface="Wingdings 3" charset="2"/>
+              <a:buChar char=""/>
+            </a:pPr>
+            <a:r>
+              <a:rPr lang="fr-FR" dirty="0"/>
+              <a:t>Manipulation </a:t>
+            </a:r>
+            <a:r>
+              <a:rPr lang="fr-FR" dirty="0" err="1"/>
+              <a:t>MSPaint</a:t>
+            </a:r>
+            <a:endParaRPr lang="fr-FR" dirty="0"/>
+          </a:p>
+        </p:txBody>
+      </p:sp>
+      <p:sp>
+        <p:nvSpPr>
+          <p:cNvPr id="7" name="Espace réservé du numéro de diapositive 6">
+            <a:extLst>
+              <a:ext uri="{FF2B5EF4-FFF2-40B4-BE49-F238E27FC236}">
+                <a16:creationId xmlns:a16="http://schemas.microsoft.com/office/drawing/2014/main" id="{58588F4D-FBEA-47AC-97C2-F8204EE1579A}"/>
+              </a:ext>
+            </a:extLst>
+          </p:cNvPr>
+          <p:cNvSpPr>
+            <a:spLocks noGrp="1"/>
+          </p:cNvSpPr>
+          <p:nvPr>
+            <p:ph type="sldNum" sz="quarter" idx="12"/>
+          </p:nvPr>
+        </p:nvSpPr>
+        <p:spPr/>
+        <p:txBody>
+          <a:bodyPr/>
+          <a:lstStyle/>
+          <a:p>
+            <a:fld id="{D57F1E4F-1CFF-5643-939E-217C01CDF565}" type="slidenum">
+              <a:rPr lang="en-US" smtClean="0"/>
+              <a:pPr/>
+              <a:t>2</a:t>
+            </a:fld>
+            <a:endParaRPr lang="en-US" dirty="0"/>
+          </a:p>
+        </p:txBody>
+      </p:sp>
+    </p:spTree>
+    <p:extLst>
+      <p:ext uri="{BB962C8B-B14F-4D97-AF65-F5344CB8AC3E}">
+        <p14:creationId xmlns:p14="http://schemas.microsoft.com/office/powerpoint/2010/main" val="3472312648"/>
+      </p:ext>
+    </p:extLst>
+  </p:cSld>
+  <p:clrMapOvr>
+    <a:masterClrMapping/>
+  </p:clrMapOvr>
+  <mc:AlternateContent xmlns:mc="http://schemas.openxmlformats.org/markup-compatibility/2006">
+    <mc:Choice xmlns:p159="http://schemas.microsoft.com/office/powerpoint/2015/09/main" Requires="p159">
+      <p:transition xmlns:p14="http://schemas.microsoft.com/office/powerpoint/2010/main" spd="slow" p14:dur="2000">
+        <p159:morph option="byObject"/>
+      </p:transition>
+    </mc:Choice>
+    <mc:Fallback>
+      <p:transition spd="slow">
+        <p:fade/>
+      </p:transition>
+    </mc:Fallback>
+  </mc:AlternateContent>
+  <p:timing>
+    <p:tnLst>
+      <p:par>
+        <p:cTn id="1" dur="indefinite" restart="never" nodeType="tmRoot">
+          <p:childTnLst>
+            <p:seq concurrent="1" nextAc="seek">
+              <p:cTn id="2" dur="indefinite" nodeType="mainSeq">
+                <p:childTnLst>
+                  <p:par>
+                    <p:cTn id="3" fill="hold">
+                      <p:stCondLst>
+                        <p:cond delay="indefinite"/>
+                        <p:cond evt="onBegin" delay="0">
+                          <p:tn val="2"/>
+                        </p:cond>
+                      </p:stCondLst>
+                      <p:childTnLst>
+                        <p:par>
+                          <p:cTn id="4" fill="hold">
+                            <p:stCondLst>
+                              <p:cond delay="0"/>
+                            </p:stCondLst>
+                            <p:childTnLst>
+                              <p:par>
+                                <p:cTn id="5" presetID="10" presetClass="entr" presetSubtype="0" fill="hold" grpId="0" nodeType="afterEffect">
+                                  <p:stCondLst>
+                                    <p:cond delay="0"/>
+                                  </p:stCondLst>
+                                  <p:childTnLst>
+                                    <p:set>
+                                      <p:cBhvr>
+                                        <p:cTn id="6" dur="1" fill="hold">
+                                          <p:stCondLst>
+                                            <p:cond delay="0"/>
+                                          </p:stCondLst>
+                                        </p:cTn>
+                                        <p:tgtEl>
+                                          <p:spTgt spid="6">
+                                            <p:txEl>
+                                              <p:pRg st="0" end="0"/>
+                                            </p:txEl>
+                                          </p:spTgt>
+                                        </p:tgtEl>
+                                        <p:attrNameLst>
+                                          <p:attrName>style.visibility</p:attrName>
+                                        </p:attrNameLst>
+                                      </p:cBhvr>
+                                      <p:to>
+                                        <p:strVal val="visible"/>
+                                      </p:to>
+                                    </p:set>
+                                    <p:animEffect transition="in" filter="fade">
+                                      <p:cBhvr>
+                                        <p:cTn id="7" dur="750"/>
+                                        <p:tgtEl>
+                                          <p:spTgt spid="6">
+                                            <p:txEl>
+                                              <p:pRg st="0" end="0"/>
+                                            </p:txEl>
+                                          </p:spTgt>
+                                        </p:tgtEl>
+                                      </p:cBhvr>
+                                    </p:animEffect>
+                                  </p:childTnLst>
+                                </p:cTn>
+                              </p:par>
+                            </p:childTnLst>
+                          </p:cTn>
+                        </p:par>
+                        <p:par>
+                          <p:cTn id="8" fill="hold">
+                            <p:stCondLst>
+                              <p:cond delay="750"/>
+                            </p:stCondLst>
+                            <p:childTnLst>
+                              <p:par>
+                                <p:cTn id="9" presetID="10" presetClass="entr" presetSubtype="0" fill="hold" grpId="0" nodeType="afterEffect">
+                                  <p:stCondLst>
+                                    <p:cond delay="0"/>
+                                  </p:stCondLst>
+                                  <p:childTnLst>
+                                    <p:set>
+                                      <p:cBhvr>
+                                        <p:cTn id="10" dur="1" fill="hold">
+                                          <p:stCondLst>
+                                            <p:cond delay="0"/>
+                                          </p:stCondLst>
+                                        </p:cTn>
+                                        <p:tgtEl>
+                                          <p:spTgt spid="6">
+                                            <p:txEl>
+                                              <p:pRg st="2" end="2"/>
+                                            </p:txEl>
+                                          </p:spTgt>
+                                        </p:tgtEl>
+                                        <p:attrNameLst>
+                                          <p:attrName>style.visibility</p:attrName>
+                                        </p:attrNameLst>
+                                      </p:cBhvr>
+                                      <p:to>
+                                        <p:strVal val="visible"/>
+                                      </p:to>
+                                    </p:set>
+                                    <p:animEffect transition="in" filter="fade">
+                                      <p:cBhvr>
+                                        <p:cTn id="11" dur="750"/>
+                                        <p:tgtEl>
+                                          <p:spTgt spid="6">
+                                            <p:txEl>
+                                              <p:pRg st="2" end="2"/>
+                                            </p:txEl>
+                                          </p:spTgt>
+                                        </p:tgtEl>
+                                      </p:cBhvr>
+                                    </p:animEffect>
+                                  </p:childTnLst>
+                                </p:cTn>
+                              </p:par>
+                            </p:childTnLst>
+                          </p:cTn>
+                        </p:par>
+                        <p:par>
+                          <p:cTn id="12" fill="hold">
+                            <p:stCondLst>
+                              <p:cond delay="1500"/>
+                            </p:stCondLst>
+                            <p:childTnLst>
+                              <p:par>
+                                <p:cTn id="13" presetID="10" presetClass="entr" presetSubtype="0" fill="hold" grpId="0" nodeType="afterEffect">
+                                  <p:stCondLst>
+                                    <p:cond delay="0"/>
+                                  </p:stCondLst>
+                                  <p:childTnLst>
+                                    <p:set>
+                                      <p:cBhvr>
+                                        <p:cTn id="14" dur="1" fill="hold">
+                                          <p:stCondLst>
+                                            <p:cond delay="0"/>
+                                          </p:stCondLst>
+                                        </p:cTn>
+                                        <p:tgtEl>
+                                          <p:spTgt spid="6">
+                                            <p:txEl>
+                                              <p:pRg st="4" end="4"/>
+                                            </p:txEl>
+                                          </p:spTgt>
+                                        </p:tgtEl>
+                                        <p:attrNameLst>
+                                          <p:attrName>style.visibility</p:attrName>
+                                        </p:attrNameLst>
+                                      </p:cBhvr>
+                                      <p:to>
+                                        <p:strVal val="visible"/>
+                                      </p:to>
+                                    </p:set>
+                                    <p:animEffect transition="in" filter="fade">
+                                      <p:cBhvr>
+                                        <p:cTn id="15" dur="750"/>
+                                        <p:tgtEl>
+                                          <p:spTgt spid="6">
+                                            <p:txEl>
+                                              <p:pRg st="4" end="4"/>
+                                            </p:txEl>
+                                          </p:spTgt>
+                                        </p:tgtEl>
+                                      </p:cBhvr>
+                                    </p:animEffect>
+                                  </p:childTnLst>
+                                </p:cTn>
+                              </p:par>
+                            </p:childTnLst>
+                          </p:cTn>
+                        </p:par>
+                        <p:par>
+                          <p:cTn id="16" fill="hold">
+                            <p:stCondLst>
+                              <p:cond delay="2250"/>
+                            </p:stCondLst>
+                            <p:childTnLst>
+                              <p:par>
+                                <p:cTn id="17" presetID="10" presetClass="entr" presetSubtype="0" fill="hold" grpId="0" nodeType="afterEffect">
+                                  <p:stCondLst>
+                                    <p:cond delay="0"/>
+                                  </p:stCondLst>
+                                  <p:childTnLst>
+                                    <p:set>
+                                      <p:cBhvr>
+                                        <p:cTn id="18" dur="1" fill="hold">
+                                          <p:stCondLst>
+                                            <p:cond delay="0"/>
+                                          </p:stCondLst>
+                                        </p:cTn>
+                                        <p:tgtEl>
+                                          <p:spTgt spid="6">
+                                            <p:txEl>
+                                              <p:pRg st="6" end="6"/>
+                                            </p:txEl>
+                                          </p:spTgt>
+                                        </p:tgtEl>
+                                        <p:attrNameLst>
+                                          <p:attrName>style.visibility</p:attrName>
+                                        </p:attrNameLst>
+                                      </p:cBhvr>
+                                      <p:to>
+                                        <p:strVal val="visible"/>
+                                      </p:to>
+                                    </p:set>
+                                    <p:animEffect transition="in" filter="fade">
+                                      <p:cBhvr>
+                                        <p:cTn id="19" dur="750"/>
+                                        <p:tgtEl>
+                                          <p:spTgt spid="6">
+                                            <p:txEl>
+                                              <p:pRg st="6" end="6"/>
+                                            </p:txEl>
+                                          </p:spTgt>
+                                        </p:tgtEl>
+                                      </p:cBhvr>
+                                    </p:animEffect>
+                                  </p:childTnLst>
+                                </p:cTn>
+                              </p:par>
+                            </p:childTnLst>
+                          </p:cTn>
+                        </p:par>
+                        <p:par>
+                          <p:cTn id="20" fill="hold">
+                            <p:stCondLst>
+                              <p:cond delay="3000"/>
+                            </p:stCondLst>
+                            <p:childTnLst>
+                              <p:par>
+                                <p:cTn id="21" presetID="10" presetClass="entr" presetSubtype="0" fill="hold" grpId="0" nodeType="afterEffect">
+                                  <p:stCondLst>
+                                    <p:cond delay="0"/>
+                                  </p:stCondLst>
+                                  <p:childTnLst>
+                                    <p:set>
+                                      <p:cBhvr>
+                                        <p:cTn id="22" dur="1" fill="hold">
+                                          <p:stCondLst>
+                                            <p:cond delay="0"/>
+                                          </p:stCondLst>
+                                        </p:cTn>
+                                        <p:tgtEl>
+                                          <p:spTgt spid="6">
+                                            <p:txEl>
+                                              <p:pRg st="8" end="8"/>
+                                            </p:txEl>
+                                          </p:spTgt>
+                                        </p:tgtEl>
+                                        <p:attrNameLst>
+                                          <p:attrName>style.visibility</p:attrName>
+                                        </p:attrNameLst>
+                                      </p:cBhvr>
+                                      <p:to>
+                                        <p:strVal val="visible"/>
+                                      </p:to>
+                                    </p:set>
+                                    <p:animEffect transition="in" filter="fade">
+                                      <p:cBhvr>
+                                        <p:cTn id="23" dur="750"/>
+                                        <p:tgtEl>
+                                          <p:spTgt spid="6">
+                                            <p:txEl>
+                                              <p:pRg st="8" end="8"/>
+                                            </p:txEl>
+                                          </p:spTgt>
+                                        </p:tgtEl>
+                                      </p:cBhvr>
+                                    </p:animEffect>
+                                  </p:childTnLst>
+                                </p:cTn>
+                              </p:par>
+                            </p:childTnLst>
+                          </p:cTn>
+                        </p:par>
+                        <p:par>
+                          <p:cTn id="24" fill="hold">
+                            <p:stCondLst>
+                              <p:cond delay="3750"/>
+                            </p:stCondLst>
+                            <p:childTnLst>
+                              <p:par>
+                                <p:cTn id="25" presetID="10" presetClass="entr" presetSubtype="0" fill="hold" nodeType="afterEffect">
+                                  <p:stCondLst>
+                                    <p:cond delay="0"/>
+                                  </p:stCondLst>
+                                  <p:childTnLst>
+                                    <p:set>
+                                      <p:cBhvr>
+                                        <p:cTn id="26" dur="1" fill="hold">
+                                          <p:stCondLst>
+                                            <p:cond delay="0"/>
+                                          </p:stCondLst>
+                                        </p:cTn>
+                                        <p:tgtEl>
+                                          <p:spTgt spid="3074"/>
+                                        </p:tgtEl>
+                                        <p:attrNameLst>
+                                          <p:attrName>style.visibility</p:attrName>
+                                        </p:attrNameLst>
+                                      </p:cBhvr>
+                                      <p:to>
+                                        <p:strVal val="visible"/>
+                                      </p:to>
+                                    </p:set>
+                                    <p:animEffect transition="in" filter="fade">
+                                      <p:cBhvr>
+                                        <p:cTn id="27" dur="750"/>
+                                        <p:tgtEl>
+                                          <p:spTgt spid="3074"/>
+                                        </p:tgtEl>
+                                      </p:cBhvr>
+                                    </p:animEffect>
+                                  </p:childTnLst>
+                                </p:cTn>
+                              </p:par>
+                            </p:childTnLst>
+                          </p:cTn>
+                        </p:par>
+                        <p:par>
+                          <p:cTn id="28" fill="hold">
+                            <p:stCondLst>
+                              <p:cond delay="4500"/>
+                            </p:stCondLst>
+                            <p:childTnLst>
+                              <p:par>
+                                <p:cTn id="29" presetID="10" presetClass="entr" presetSubtype="0" fill="hold" nodeType="afterEffect">
+                                  <p:stCondLst>
+                                    <p:cond delay="0"/>
+                                  </p:stCondLst>
+                                  <p:childTnLst>
+                                    <p:set>
+                                      <p:cBhvr>
+                                        <p:cTn id="30" dur="1" fill="hold">
+                                          <p:stCondLst>
+                                            <p:cond delay="0"/>
+                                          </p:stCondLst>
+                                        </p:cTn>
+                                        <p:tgtEl>
+                                          <p:spTgt spid="5"/>
+                                        </p:tgtEl>
+                                        <p:attrNameLst>
+                                          <p:attrName>style.visibility</p:attrName>
+                                        </p:attrNameLst>
+                                      </p:cBhvr>
+                                      <p:to>
+                                        <p:strVal val="visible"/>
+                                      </p:to>
+                                    </p:set>
+                                    <p:animEffect transition="in" filter="fade">
+                                      <p:cBhvr>
+                                        <p:cTn id="31" dur="750"/>
+                                        <p:tgtEl>
+                                          <p:spTgt spid="5"/>
+                                        </p:tgtEl>
+                                      </p:cBhvr>
+                                    </p:animEffect>
+                                  </p:childTnLst>
+                                </p:cTn>
+                              </p:par>
+                            </p:childTnLst>
+                          </p:cTn>
+                        </p:par>
+                      </p:childTnLst>
+                    </p:cTn>
+                  </p:par>
+                </p:childTnLst>
+              </p:cTn>
+              <p:prevCondLst>
+                <p:cond evt="onPrev" delay="0">
+                  <p:tgtEl>
+                    <p:sldTgt/>
+                  </p:tgtEl>
+                </p:cond>
+              </p:prevCondLst>
+              <p:nextCondLst>
+                <p:cond evt="onNext" delay="0">
+                  <p:tgtEl>
+                    <p:sldTgt/>
+                  </p:tgtEl>
+                </p:cond>
+              </p:nextCondLst>
+            </p:seq>
+          </p:childTnLst>
+        </p:cTn>
+      </p:par>
+    </p:tnLst>
+    <p:bldLst>
+      <p:bldP spid="6" grpId="0" uiExpand="1" build="p"/>
+    </p:bldLst>
+  </p:timing>
+</p:sld>
+</file>
+
+<file path=ppt/slides/slide3.xml><?xml version="1.0" encoding="utf-8"?>
+<p:sld xmlns:a="http://schemas.openxmlformats.org/drawingml/2006/main" xmlns:r="http://schemas.openxmlformats.org/officeDocument/2006/relationships" xmlns:p="http://schemas.openxmlformats.org/presentationml/2006/main">
+  <p:cSld>
+    <p:spTree>
+      <p:nvGrpSpPr>
+        <p:cNvPr id="1" name=""/>
+        <p:cNvGrpSpPr/>
+        <p:nvPr/>
+      </p:nvGrpSpPr>
+      <p:grpSpPr>
+        <a:xfrm>
+          <a:off x="0" y="0"/>
+          <a:ext cx="0" cy="0"/>
+          <a:chOff x="0" y="0"/>
+          <a:chExt cx="0" cy="0"/>
+        </a:xfrm>
+      </p:grpSpPr>
+      <p:sp>
+        <p:nvSpPr>
+          <p:cNvPr id="2" name="Titre 1">
+            <a:extLst>
+              <a:ext uri="{FF2B5EF4-FFF2-40B4-BE49-F238E27FC236}">
+                <a16:creationId xmlns:a16="http://schemas.microsoft.com/office/drawing/2014/main" id="{1E08EEEE-C42B-411B-9DAF-89F9996D3E3F}"/>
+              </a:ext>
+            </a:extLst>
+          </p:cNvPr>
+          <p:cNvSpPr>
+            <a:spLocks noGrp="1"/>
+          </p:cNvSpPr>
+          <p:nvPr>
+            <p:ph type="title"/>
+          </p:nvPr>
+        </p:nvSpPr>
+        <p:spPr/>
+        <p:txBody>
+          <a:bodyPr/>
+          <a:lstStyle/>
+          <a:p>
+            <a:r>
+              <a:rPr lang="fr-FR" dirty="0"/>
+              <a:t>SFML basé sur VRPN</a:t>
+            </a:r>
+          </a:p>
+        </p:txBody>
+      </p:sp>
+      <p:sp>
+        <p:nvSpPr>
+          <p:cNvPr id="3" name="Espace réservé du contenu 2">
+            <a:extLst>
+              <a:ext uri="{FF2B5EF4-FFF2-40B4-BE49-F238E27FC236}">
+                <a16:creationId xmlns:a16="http://schemas.microsoft.com/office/drawing/2014/main" id="{95FFA230-7C79-4B0A-9EB9-0BE912DEE925}"/>
+              </a:ext>
+            </a:extLst>
+          </p:cNvPr>
+          <p:cNvSpPr>
+            <a:spLocks noGrp="1"/>
+          </p:cNvSpPr>
+          <p:nvPr>
+            <p:ph idx="1"/>
+          </p:nvPr>
+        </p:nvSpPr>
+        <p:spPr/>
+        <p:txBody>
+          <a:bodyPr anchor="ctr"/>
+          <a:lstStyle/>
+          <a:p>
+            <a:r>
+              <a:rPr lang="fr-FR" dirty="0"/>
+              <a:t>Détection de la main et du coude</a:t>
+            </a:r>
+          </a:p>
+          <a:p>
+            <a:endParaRPr lang="fr-FR" dirty="0"/>
+          </a:p>
+          <a:p>
+            <a:r>
+              <a:rPr lang="fr-FR" dirty="0"/>
+              <a:t>Détection de la gauche et de la droite</a:t>
+            </a:r>
+          </a:p>
+          <a:p>
+            <a:endParaRPr lang="fr-FR" dirty="0"/>
+          </a:p>
+          <a:p>
+            <a:r>
+              <a:rPr lang="fr-FR" dirty="0"/>
+              <a:t>Changement de couleur : Vert au départ, multi couleur par action</a:t>
+            </a:r>
+          </a:p>
+        </p:txBody>
+      </p:sp>
+      <p:sp>
+        <p:nvSpPr>
+          <p:cNvPr id="4" name="Espace réservé du numéro de diapositive 3">
+            <a:extLst>
+              <a:ext uri="{FF2B5EF4-FFF2-40B4-BE49-F238E27FC236}">
+                <a16:creationId xmlns:a16="http://schemas.microsoft.com/office/drawing/2014/main" id="{0CEA54F1-F601-4B32-A800-4DFB4DF16572}"/>
+              </a:ext>
+            </a:extLst>
+          </p:cNvPr>
+          <p:cNvSpPr>
+            <a:spLocks noGrp="1"/>
+          </p:cNvSpPr>
+          <p:nvPr>
+            <p:ph type="sldNum" sz="quarter" idx="12"/>
+          </p:nvPr>
+        </p:nvSpPr>
+        <p:spPr/>
+        <p:txBody>
+          <a:bodyPr/>
+          <a:lstStyle/>
+          <a:p>
+            <a:fld id="{D57F1E4F-1CFF-5643-939E-217C01CDF565}" type="slidenum">
+              <a:rPr lang="en-US" smtClean="0"/>
+              <a:pPr/>
+              <a:t>3</a:t>
+            </a:fld>
+            <a:endParaRPr lang="en-US" dirty="0"/>
+          </a:p>
+        </p:txBody>
+      </p:sp>
+      <p:pic>
+        <p:nvPicPr>
+          <p:cNvPr id="2050" name="Picture 2" descr="https://www.sfml-dev.org/tutorials/2.3/images/start-vc-app.png">
+            <a:extLst>
+              <a:ext uri="{FF2B5EF4-FFF2-40B4-BE49-F238E27FC236}">
+                <a16:creationId xmlns:a16="http://schemas.microsoft.com/office/drawing/2014/main" id="{0ED2798E-47D5-4971-9527-AD72DBBB2C68}"/>
+              </a:ext>
+            </a:extLst>
+          </p:cNvPr>
+          <p:cNvPicPr>
+            <a:picLocks noChangeAspect="1" noChangeArrowheads="1"/>
+          </p:cNvPicPr>
+          <p:nvPr/>
+        </p:nvPicPr>
+        <p:blipFill>
+          <a:blip r:embed="rId2">
+            <a:extLst>
+              <a:ext uri="{28A0092B-C50C-407E-A947-70E740481C1C}">
+                <a14:useLocalDpi xmlns:a14="http://schemas.microsoft.com/office/drawing/2010/main" val="0"/>
+              </a:ext>
+            </a:extLst>
+          </a:blip>
+          <a:srcRect/>
+          <a:stretch>
+            <a:fillRect/>
+          </a:stretch>
+        </p:blipFill>
+        <p:spPr bwMode="auto">
+          <a:xfrm>
+            <a:off x="6874932" y="1930400"/>
+            <a:ext cx="2057400" cy="2266950"/>
+          </a:xfrm>
+          <a:prstGeom prst="rect">
+            <a:avLst/>
+          </a:prstGeom>
+          <a:noFill/>
+          <a:extLst>
+            <a:ext uri="{909E8E84-426E-40DD-AFC4-6F175D3DCCD1}">
+              <a14:hiddenFill xmlns:a14="http://schemas.microsoft.com/office/drawing/2010/main">
+                <a:solidFill>
+                  <a:srgbClr val="FFFFFF"/>
+                </a:solidFill>
+              </a14:hiddenFill>
+            </a:ext>
+          </a:extLst>
+        </p:spPr>
+      </p:pic>
+    </p:spTree>
+    <p:extLst>
+      <p:ext uri="{BB962C8B-B14F-4D97-AF65-F5344CB8AC3E}">
+        <p14:creationId xmlns:p14="http://schemas.microsoft.com/office/powerpoint/2010/main" val="2706608652"/>
+      </p:ext>
+    </p:extLst>
+  </p:cSld>
+  <p:clrMapOvr>
+    <a:masterClrMapping/>
+  </p:clrMapOvr>
+  <mc:AlternateContent xmlns:mc="http://schemas.openxmlformats.org/markup-compatibility/2006">
+    <mc:Choice xmlns:p159="http://schemas.microsoft.com/office/powerpoint/2015/09/main" Requires="p159">
+      <p:transition xmlns:p14="http://schemas.microsoft.com/office/powerpoint/2010/main" spd="slow" p14:dur="2000">
+        <p159:morph option="byObject"/>
+      </p:transition>
+    </mc:Choice>
+    <mc:Fallback>
+      <p:transition spd="slow">
+        <p:fade/>
+      </p:transition>
+    </mc:Fallback>
+  </mc:AlternateContent>
+  <p:timing>
+    <p:tnLst>
+      <p:par>
+        <p:cTn id="1" dur="indefinite" restart="never" nodeType="tmRoot">
+          <p:childTnLst>
+            <p:seq concurrent="1" nextAc="seek">
+              <p:cTn id="2" dur="indefinite" nodeType="mainSeq">
+                <p:childTnLst>
+                  <p:par>
+                    <p:cTn id="3" fill="hold">
+                      <p:stCondLst>
+                        <p:cond delay="indefinite"/>
+                        <p:cond evt="onBegin" delay="0">
+                          <p:tn val="2"/>
+                        </p:cond>
+                      </p:stCondLst>
+                      <p:childTnLst>
+                        <p:par>
+                          <p:cTn id="4" fill="hold">
+                            <p:stCondLst>
+                              <p:cond delay="0"/>
+                            </p:stCondLst>
+                            <p:childTnLst>
+                              <p:par>
+                                <p:cTn id="5" presetID="10" presetClass="entr" presetSubtype="0" fill="hold" grpId="0" nodeType="afterEffect">
+                                  <p:stCondLst>
+                                    <p:cond delay="0"/>
+                                  </p:stCondLst>
+                                  <p:childTnLst>
+                                    <p:set>
+                                      <p:cBhvr>
+                                        <p:cTn id="6" dur="1" fill="hold">
+                                          <p:stCondLst>
+                                            <p:cond delay="0"/>
+                                          </p:stCondLst>
+                                        </p:cTn>
+                                        <p:tgtEl>
+                                          <p:spTgt spid="3">
+                                            <p:txEl>
+                                              <p:pRg st="0" end="0"/>
+                                            </p:txEl>
+                                          </p:spTgt>
+                                        </p:tgtEl>
+                                        <p:attrNameLst>
+                                          <p:attrName>style.visibility</p:attrName>
+                                        </p:attrNameLst>
+                                      </p:cBhvr>
+                                      <p:to>
+                                        <p:strVal val="visible"/>
+                                      </p:to>
+                                    </p:set>
+                                    <p:animEffect transition="in" filter="fade">
+                                      <p:cBhvr>
+                                        <p:cTn id="7" dur="750"/>
+                                        <p:tgtEl>
+                                          <p:spTgt spid="3">
+                                            <p:txEl>
+                                              <p:pRg st="0" end="0"/>
+                                            </p:txEl>
+                                          </p:spTgt>
+                                        </p:tgtEl>
+                                      </p:cBhvr>
+                                    </p:animEffect>
+                                  </p:childTnLst>
+                                </p:cTn>
+                              </p:par>
+                            </p:childTnLst>
+                          </p:cTn>
+                        </p:par>
+                        <p:par>
+                          <p:cTn id="8" fill="hold">
+                            <p:stCondLst>
+                              <p:cond delay="750"/>
+                            </p:stCondLst>
+                            <p:childTnLst>
+                              <p:par>
+                                <p:cTn id="9" presetID="10" presetClass="entr" presetSubtype="0" fill="hold" grpId="0" nodeType="afterEffect">
+                                  <p:stCondLst>
+                                    <p:cond delay="0"/>
+                                  </p:stCondLst>
+                                  <p:childTnLst>
+                                    <p:set>
+                                      <p:cBhvr>
+                                        <p:cTn id="10" dur="1" fill="hold">
+                                          <p:stCondLst>
+                                            <p:cond delay="0"/>
+                                          </p:stCondLst>
+                                        </p:cTn>
+                                        <p:tgtEl>
+                                          <p:spTgt spid="3">
+                                            <p:txEl>
+                                              <p:pRg st="2" end="2"/>
+                                            </p:txEl>
+                                          </p:spTgt>
+                                        </p:tgtEl>
+                                        <p:attrNameLst>
+                                          <p:attrName>style.visibility</p:attrName>
+                                        </p:attrNameLst>
+                                      </p:cBhvr>
+                                      <p:to>
+                                        <p:strVal val="visible"/>
+                                      </p:to>
+                                    </p:set>
+                                    <p:animEffect transition="in" filter="fade">
+                                      <p:cBhvr>
+                                        <p:cTn id="11" dur="750"/>
+                                        <p:tgtEl>
+                                          <p:spTgt spid="3">
+                                            <p:txEl>
+                                              <p:pRg st="2" end="2"/>
+                                            </p:txEl>
+                                          </p:spTgt>
+                                        </p:tgtEl>
+                                      </p:cBhvr>
+                                    </p:animEffect>
+                                  </p:childTnLst>
+                                </p:cTn>
+                              </p:par>
+                            </p:childTnLst>
+                          </p:cTn>
+                        </p:par>
+                        <p:par>
+                          <p:cTn id="12" fill="hold">
+                            <p:stCondLst>
+                              <p:cond delay="1500"/>
+                            </p:stCondLst>
+                            <p:childTnLst>
+                              <p:par>
+                                <p:cTn id="13" presetID="10" presetClass="entr" presetSubtype="0" fill="hold" grpId="0" nodeType="afterEffect">
+                                  <p:stCondLst>
+                                    <p:cond delay="0"/>
+                                  </p:stCondLst>
+                                  <p:childTnLst>
+                                    <p:set>
+                                      <p:cBhvr>
+                                        <p:cTn id="14" dur="1" fill="hold">
+                                          <p:stCondLst>
+                                            <p:cond delay="0"/>
+                                          </p:stCondLst>
+                                        </p:cTn>
+                                        <p:tgtEl>
+                                          <p:spTgt spid="3">
+                                            <p:txEl>
+                                              <p:pRg st="4" end="4"/>
+                                            </p:txEl>
+                                          </p:spTgt>
+                                        </p:tgtEl>
+                                        <p:attrNameLst>
+                                          <p:attrName>style.visibility</p:attrName>
+                                        </p:attrNameLst>
+                                      </p:cBhvr>
+                                      <p:to>
+                                        <p:strVal val="visible"/>
+                                      </p:to>
+                                    </p:set>
+                                    <p:animEffect transition="in" filter="fade">
+                                      <p:cBhvr>
+                                        <p:cTn id="15" dur="750"/>
+                                        <p:tgtEl>
+                                          <p:spTgt spid="3">
+                                            <p:txEl>
+                                              <p:pRg st="4" end="4"/>
+                                            </p:txEl>
+                                          </p:spTgt>
+                                        </p:tgtEl>
+                                      </p:cBhvr>
+                                    </p:animEffect>
+                                  </p:childTnLst>
+                                </p:cTn>
+                              </p:par>
+                            </p:childTnLst>
+                          </p:cTn>
+                        </p:par>
+                        <p:par>
+                          <p:cTn id="16" fill="hold">
+                            <p:stCondLst>
+                              <p:cond delay="2250"/>
+                            </p:stCondLst>
+                            <p:childTnLst>
+                              <p:par>
+                                <p:cTn id="17" presetID="10" presetClass="entr" presetSubtype="0" fill="hold" nodeType="afterEffect">
+                                  <p:stCondLst>
+                                    <p:cond delay="0"/>
+                                  </p:stCondLst>
+                                  <p:childTnLst>
+                                    <p:set>
+                                      <p:cBhvr>
+                                        <p:cTn id="18" dur="1" fill="hold">
+                                          <p:stCondLst>
+                                            <p:cond delay="0"/>
+                                          </p:stCondLst>
+                                        </p:cTn>
+                                        <p:tgtEl>
+                                          <p:spTgt spid="2050"/>
+                                        </p:tgtEl>
+                                        <p:attrNameLst>
+                                          <p:attrName>style.visibility</p:attrName>
+                                        </p:attrNameLst>
+                                      </p:cBhvr>
+                                      <p:to>
+                                        <p:strVal val="visible"/>
+                                      </p:to>
+                                    </p:set>
+                                    <p:animEffect transition="in" filter="fade">
+                                      <p:cBhvr>
+                                        <p:cTn id="19" dur="750"/>
+                                        <p:tgtEl>
+                                          <p:spTgt spid="2050"/>
+                                        </p:tgtEl>
+                                      </p:cBhvr>
+                                    </p:animEffect>
+                                  </p:childTnLst>
+                                </p:cTn>
+                              </p:par>
+                            </p:childTnLst>
+                          </p:cTn>
+                        </p:par>
+                      </p:childTnLst>
+                    </p:cTn>
+                  </p:par>
+                </p:childTnLst>
+              </p:cTn>
+              <p:prevCondLst>
+                <p:cond evt="onPrev" delay="0">
+                  <p:tgtEl>
+                    <p:sldTgt/>
+                  </p:tgtEl>
+                </p:cond>
+              </p:prevCondLst>
+              <p:nextCondLst>
+                <p:cond evt="onNext" delay="0">
+                  <p:tgtEl>
+                    <p:sldTgt/>
+                  </p:tgtEl>
+                </p:cond>
+              </p:nextCondLst>
+            </p:seq>
+          </p:childTnLst>
+        </p:cTn>
+      </p:par>
+    </p:tnLst>
+    <p:bldLst>
+      <p:bldP spid="3" grpId="0" build="p"/>
+    </p:bldLst>
+  </p:timing>
+</p:sld>
+</file>
+
+<file path=ppt/slides/slide4.xml><?xml version="1.0" encoding="utf-8"?>
+<p:sld xmlns:a="http://schemas.openxmlformats.org/drawingml/2006/main" xmlns:r="http://schemas.openxmlformats.org/officeDocument/2006/relationships" xmlns:p="http://schemas.openxmlformats.org/presentationml/2006/main">
+  <p:cSld>
+    <p:spTree>
+      <p:nvGrpSpPr>
+        <p:cNvPr id="1" name=""/>
+        <p:cNvGrpSpPr/>
+        <p:nvPr/>
+      </p:nvGrpSpPr>
+      <p:grpSpPr>
+        <a:xfrm>
+          <a:off x="0" y="0"/>
+          <a:ext cx="0" cy="0"/>
+          <a:chOff x="0" y="0"/>
+          <a:chExt cx="0" cy="0"/>
+        </a:xfrm>
+      </p:grpSpPr>
+      <p:sp>
+        <p:nvSpPr>
+          <p:cNvPr id="2" name="Titre 1">
+            <a:extLst>
+              <a:ext uri="{FF2B5EF4-FFF2-40B4-BE49-F238E27FC236}">
+                <a16:creationId xmlns:a16="http://schemas.microsoft.com/office/drawing/2014/main" id="{BDAB28E9-73F4-43AF-A76D-99F4D567F5FF}"/>
+              </a:ext>
+            </a:extLst>
+          </p:cNvPr>
+          <p:cNvSpPr>
+            <a:spLocks noGrp="1"/>
+          </p:cNvSpPr>
+          <p:nvPr>
+            <p:ph type="title"/>
+          </p:nvPr>
+        </p:nvSpPr>
+        <p:spPr/>
+        <p:txBody>
+          <a:bodyPr/>
+          <a:lstStyle/>
+          <a:p>
+            <a:r>
+              <a:rPr lang="fr-FR" dirty="0"/>
+              <a:t>Projet : Fitness </a:t>
+            </a:r>
+            <a:r>
+              <a:rPr lang="fr-FR" dirty="0" err="1"/>
+              <a:t>Loli</a:t>
+            </a:r>
+            <a:r>
+              <a:rPr lang="fr-FR" dirty="0"/>
+              <a:t> &lt;3</a:t>
+            </a:r>
+          </a:p>
+        </p:txBody>
+      </p:sp>
+      <p:sp>
+        <p:nvSpPr>
+          <p:cNvPr id="3" name="Espace réservé du contenu 2">
+            <a:extLst>
+              <a:ext uri="{FF2B5EF4-FFF2-40B4-BE49-F238E27FC236}">
+                <a16:creationId xmlns:a16="http://schemas.microsoft.com/office/drawing/2014/main" id="{EFE15854-A8A3-4F68-8B44-B87794F82E94}"/>
+              </a:ext>
+            </a:extLst>
+          </p:cNvPr>
+          <p:cNvSpPr>
+            <a:spLocks noGrp="1"/>
+          </p:cNvSpPr>
+          <p:nvPr>
+            <p:ph idx="1"/>
+          </p:nvPr>
+        </p:nvSpPr>
+        <p:spPr>
+          <a:xfrm>
+            <a:off x="677334" y="2160589"/>
+            <a:ext cx="4024668" cy="3880773"/>
+          </a:xfrm>
+        </p:spPr>
+        <p:txBody>
+          <a:bodyPr anchor="ctr"/>
+          <a:lstStyle/>
+          <a:p>
+            <a:r>
+              <a:rPr lang="fr-FR" dirty="0"/>
+              <a:t>Memory : actions IA gardées en mémoire à refaire</a:t>
+            </a:r>
+          </a:p>
+          <a:p>
+            <a:endParaRPr lang="fr-FR" dirty="0"/>
+          </a:p>
+          <a:p>
+            <a:r>
+              <a:rPr lang="fr-FR" dirty="0"/>
+              <a:t>Possibilité de complexifier les actions</a:t>
+            </a:r>
+          </a:p>
+          <a:p>
+            <a:endParaRPr lang="fr-FR" dirty="0"/>
+          </a:p>
+          <a:p>
+            <a:endParaRPr lang="fr-FR" dirty="0"/>
+          </a:p>
+        </p:txBody>
+      </p:sp>
+      <p:sp>
+        <p:nvSpPr>
+          <p:cNvPr id="4" name="Espace réservé du numéro de diapositive 3">
+            <a:extLst>
+              <a:ext uri="{FF2B5EF4-FFF2-40B4-BE49-F238E27FC236}">
+                <a16:creationId xmlns:a16="http://schemas.microsoft.com/office/drawing/2014/main" id="{4C93F13C-5799-41F3-B047-4D2BBF8F35BF}"/>
+              </a:ext>
+            </a:extLst>
+          </p:cNvPr>
+          <p:cNvSpPr>
+            <a:spLocks noGrp="1"/>
+          </p:cNvSpPr>
+          <p:nvPr>
+            <p:ph type="sldNum" sz="quarter" idx="12"/>
+          </p:nvPr>
+        </p:nvSpPr>
+        <p:spPr/>
+        <p:txBody>
+          <a:bodyPr/>
+          <a:lstStyle/>
+          <a:p>
+            <a:fld id="{D57F1E4F-1CFF-5643-939E-217C01CDF565}" type="slidenum">
+              <a:rPr lang="en-US" smtClean="0"/>
+              <a:pPr/>
+              <a:t>4</a:t>
+            </a:fld>
+            <a:endParaRPr lang="en-US" dirty="0"/>
+          </a:p>
+        </p:txBody>
+      </p:sp>
+      <p:pic>
+        <p:nvPicPr>
+          <p:cNvPr id="1026" name="Picture 2" descr="https://i.ytimg.com/vi/rmQ6PGDanTk/hqdefault.jpg">
+            <a:extLst>
+              <a:ext uri="{FF2B5EF4-FFF2-40B4-BE49-F238E27FC236}">
+                <a16:creationId xmlns:a16="http://schemas.microsoft.com/office/drawing/2014/main" id="{BB735699-000A-41E6-972A-2C8C106EB3B4}"/>
+              </a:ext>
+            </a:extLst>
+          </p:cNvPr>
+          <p:cNvPicPr>
+            <a:picLocks noChangeAspect="1" noChangeArrowheads="1"/>
+          </p:cNvPicPr>
+          <p:nvPr/>
+        </p:nvPicPr>
+        <p:blipFill>
+          <a:blip r:embed="rId2">
+            <a:extLst>
+              <a:ext uri="{28A0092B-C50C-407E-A947-70E740481C1C}">
+                <a14:useLocalDpi xmlns:a14="http://schemas.microsoft.com/office/drawing/2010/main" val="0"/>
+              </a:ext>
+            </a:extLst>
+          </a:blip>
+          <a:srcRect/>
+          <a:stretch>
+            <a:fillRect/>
+          </a:stretch>
+        </p:blipFill>
+        <p:spPr bwMode="auto">
+          <a:xfrm>
+            <a:off x="4702002" y="2160589"/>
+            <a:ext cx="4572000" cy="3429000"/>
+          </a:xfrm>
+          <a:prstGeom prst="rect">
+            <a:avLst/>
+          </a:prstGeom>
+          <a:noFill/>
+          <a:extLst>
+            <a:ext uri="{909E8E84-426E-40DD-AFC4-6F175D3DCCD1}">
+              <a14:hiddenFill xmlns:a14="http://schemas.microsoft.com/office/drawing/2010/main">
+                <a:solidFill>
+                  <a:srgbClr val="FFFFFF"/>
+                </a:solidFill>
+              </a14:hiddenFill>
+            </a:ext>
+          </a:extLst>
+        </p:spPr>
+      </p:pic>
+    </p:spTree>
+    <p:extLst>
+      <p:ext uri="{BB962C8B-B14F-4D97-AF65-F5344CB8AC3E}">
+        <p14:creationId xmlns:p14="http://schemas.microsoft.com/office/powerpoint/2010/main" val="1815077282"/>
+      </p:ext>
+    </p:extLst>
+  </p:cSld>
+  <p:clrMapOvr>
+    <a:masterClrMapping/>
+  </p:clrMapOvr>
+  <mc:AlternateContent xmlns:mc="http://schemas.openxmlformats.org/markup-compatibility/2006">
+    <mc:Choice xmlns:p159="http://schemas.microsoft.com/office/powerpoint/2015/09/main" Requires="p159">
+      <p:transition xmlns:p14="http://schemas.microsoft.com/office/powerpoint/2010/main" spd="slow" p14:dur="2000">
+        <p159:morph option="byObject"/>
+      </p:transition>
+    </mc:Choice>
+    <mc:Fallback>
+      <p:transition spd="slow">
+        <p:fade/>
+      </p:transition>
+    </mc:Fallback>
+  </mc:AlternateContent>
+  <p:timing>
+    <p:tnLst>
+      <p:par>
+        <p:cTn id="1" dur="indefinite" restart="never" nodeType="tmRoot">
+          <p:childTnLst>
+            <p:seq concurrent="1" nextAc="seek">
+              <p:cTn id="2" dur="indefinite" nodeType="mainSeq">
+                <p:childTnLst>
+                  <p:par>
+                    <p:cTn id="3" fill="hold">
+                      <p:stCondLst>
+                        <p:cond delay="indefinite"/>
+                        <p:cond evt="onBegin" delay="0">
+                          <p:tn val="2"/>
+                        </p:cond>
+                      </p:stCondLst>
+                      <p:childTnLst>
+                        <p:par>
+                          <p:cTn id="4" fill="hold">
+                            <p:stCondLst>
+                              <p:cond delay="750"/>
+                            </p:stCondLst>
+                            <p:childTnLst>
+                              <p:par>
+                                <p:cTn id="5" presetID="10" presetClass="entr" presetSubtype="0" fill="hold" grpId="0" nodeType="afterEffect">
+                                  <p:stCondLst>
+                                    <p:cond delay="0"/>
+                                  </p:stCondLst>
+                                  <p:childTnLst>
+                                    <p:set>
+                                      <p:cBhvr>
+                                        <p:cTn id="6" dur="1" fill="hold">
+                                          <p:stCondLst>
+                                            <p:cond delay="0"/>
+                                          </p:stCondLst>
+                                        </p:cTn>
+                                        <p:tgtEl>
+                                          <p:spTgt spid="3">
+                                            <p:txEl>
+                                              <p:pRg st="0" end="0"/>
+                                            </p:txEl>
+                                          </p:spTgt>
+                                        </p:tgtEl>
+                                        <p:attrNameLst>
+                                          <p:attrName>style.visibility</p:attrName>
+                                        </p:attrNameLst>
+                                      </p:cBhvr>
+                                      <p:to>
+                                        <p:strVal val="visible"/>
+                                      </p:to>
+                                    </p:set>
+                                    <p:animEffect transition="in" filter="fade">
+                                      <p:cBhvr>
+                                        <p:cTn id="7" dur="750"/>
+                                        <p:tgtEl>
+                                          <p:spTgt spid="3">
+                                            <p:txEl>
+                                              <p:pRg st="0" end="0"/>
+                                            </p:txEl>
+                                          </p:spTgt>
+                                        </p:tgtEl>
+                                      </p:cBhvr>
+                                    </p:animEffect>
+                                  </p:childTnLst>
+                                </p:cTn>
+                              </p:par>
+                            </p:childTnLst>
+                          </p:cTn>
+                        </p:par>
+                        <p:par>
+                          <p:cTn id="8" fill="hold">
+                            <p:stCondLst>
+                              <p:cond delay="1500"/>
+                            </p:stCondLst>
+                            <p:childTnLst>
+                              <p:par>
+                                <p:cTn id="9" presetID="10" presetClass="entr" presetSubtype="0" fill="hold" grpId="0" nodeType="afterEffect">
+                                  <p:stCondLst>
+                                    <p:cond delay="0"/>
+                                  </p:stCondLst>
+                                  <p:childTnLst>
+                                    <p:set>
+                                      <p:cBhvr>
+                                        <p:cTn id="10" dur="1" fill="hold">
+                                          <p:stCondLst>
+                                            <p:cond delay="0"/>
+                                          </p:stCondLst>
+                                        </p:cTn>
+                                        <p:tgtEl>
+                                          <p:spTgt spid="3">
+                                            <p:txEl>
+                                              <p:pRg st="2" end="2"/>
+                                            </p:txEl>
+                                          </p:spTgt>
+                                        </p:tgtEl>
+                                        <p:attrNameLst>
+                                          <p:attrName>style.visibility</p:attrName>
+                                        </p:attrNameLst>
+                                      </p:cBhvr>
+                                      <p:to>
+                                        <p:strVal val="visible"/>
+                                      </p:to>
+                                    </p:set>
+                                    <p:animEffect transition="in" filter="fade">
+                                      <p:cBhvr>
+                                        <p:cTn id="11" dur="750"/>
+                                        <p:tgtEl>
+                                          <p:spTgt spid="3">
+                                            <p:txEl>
+                                              <p:pRg st="2" end="2"/>
+                                            </p:txEl>
+                                          </p:spTgt>
+                                        </p:tgtEl>
+                                      </p:cBhvr>
+                                    </p:animEffect>
+                                  </p:childTnLst>
+                                </p:cTn>
+                              </p:par>
+                            </p:childTnLst>
+                          </p:cTn>
+                        </p:par>
+                        <p:par>
+                          <p:cTn id="12" fill="hold">
+                            <p:stCondLst>
+                              <p:cond delay="2250"/>
+                            </p:stCondLst>
+                            <p:childTnLst>
+                              <p:par>
+                                <p:cTn id="13" presetID="10" presetClass="entr" presetSubtype="0" fill="hold" nodeType="afterEffect">
+                                  <p:stCondLst>
+                                    <p:cond delay="750"/>
+                                  </p:stCondLst>
+                                  <p:childTnLst>
+                                    <p:set>
+                                      <p:cBhvr>
+                                        <p:cTn id="14" dur="1" fill="hold">
+                                          <p:stCondLst>
+                                            <p:cond delay="0"/>
+                                          </p:stCondLst>
+                                        </p:cTn>
+                                        <p:tgtEl>
+                                          <p:spTgt spid="1026"/>
+                                        </p:tgtEl>
+                                        <p:attrNameLst>
+                                          <p:attrName>style.visibility</p:attrName>
+                                        </p:attrNameLst>
+                                      </p:cBhvr>
+                                      <p:to>
+                                        <p:strVal val="visible"/>
+                                      </p:to>
+                                    </p:set>
+                                    <p:animEffect transition="in" filter="fade">
+                                      <p:cBhvr>
+                                        <p:cTn id="15" dur="750"/>
+                                        <p:tgtEl>
+                                          <p:spTgt spid="1026"/>
+                                        </p:tgtEl>
+                                      </p:cBhvr>
+                                    </p:animEffect>
+                                  </p:childTnLst>
+                                </p:cTn>
+                              </p:par>
+                            </p:childTnLst>
+                          </p:cTn>
+                        </p:par>
+                      </p:childTnLst>
+                    </p:cTn>
+                  </p:par>
+                </p:childTnLst>
+              </p:cTn>
+              <p:prevCondLst>
+                <p:cond evt="onPrev" delay="0">
+                  <p:tgtEl>
+                    <p:sldTgt/>
+                  </p:tgtEl>
+                </p:cond>
+              </p:prevCondLst>
+              <p:nextCondLst>
+                <p:cond evt="onNext" delay="0">
+                  <p:tgtEl>
+                    <p:sldTgt/>
+                  </p:tgtEl>
+                </p:cond>
+              </p:nextCondLst>
+            </p:seq>
+          </p:childTnLst>
+        </p:cTn>
+      </p:par>
+    </p:tnLst>
+    <p:bldLst>
+      <p:bldP spid="3" grpId="0" uiExpand="1" build="p"/>
+    </p:bldLst>
+  </p:timing>
 </p:sld>
 </file>
 
@@ -6341,4 +8282,299 @@
     </a:ext>
   </a:extLst>
 </a:theme>
+</file>
+
+<file path=ppt/theme/theme2.xml><?xml version="1.0" encoding="utf-8"?>
+<a:theme xmlns:a="http://schemas.openxmlformats.org/drawingml/2006/main" name="Thème Office">
+  <a:themeElements>
+    <a:clrScheme name="Office">
+      <a:dk1>
+        <a:sysClr val="windowText" lastClr="000000"/>
+      </a:dk1>
+      <a:lt1>
+        <a:sysClr val="window" lastClr="FFFFFF"/>
+      </a:lt1>
+      <a:dk2>
+        <a:srgbClr val="44546A"/>
+      </a:dk2>
+      <a:lt2>
+        <a:srgbClr val="E7E6E6"/>
+      </a:lt2>
+      <a:accent1>
+        <a:srgbClr val="4472C4"/>
+      </a:accent1>
+      <a:accent2>
+        <a:srgbClr val="ED7D31"/>
+      </a:accent2>
+      <a:accent3>
+        <a:srgbClr val="A5A5A5"/>
+      </a:accent3>
+      <a:accent4>
+        <a:srgbClr val="FFC000"/>
+      </a:accent4>
+      <a:accent5>
+        <a:srgbClr val="5B9BD5"/>
+      </a:accent5>
+      <a:accent6>
+        <a:srgbClr val="70AD47"/>
+      </a:accent6>
+      <a:hlink>
+        <a:srgbClr val="0563C1"/>
+      </a:hlink>
+      <a:folHlink>
+        <a:srgbClr val="954F72"/>
+      </a:folHlink>
+    </a:clrScheme>
+    <a:fontScheme name="Office">
+      <a:majorFont>
+        <a:latin typeface="Calibri Light" panose="020F0302020204030204"/>
+        <a:ea typeface=""/>
+        <a:cs typeface=""/>
+        <a:font script="Jpan" typeface="游ゴシック Light"/>
+        <a:font script="Hang" typeface="맑은 고딕"/>
+        <a:font script="Hans" typeface="等线 Light"/>
+        <a:font script="Hant" typeface="新細明體"/>
+        <a:font script="Arab" typeface="Times New Roman"/>
+        <a:font script="Hebr" typeface="Times New Roman"/>
+        <a:font script="Thai" typeface="Angsana New"/>
+        <a:font script="Ethi" typeface="Nyala"/>
+        <a:font script="Beng" typeface="Vrinda"/>
+        <a:font script="Gujr" typeface="Shruti"/>
+        <a:font script="Khmr" typeface="MoolBoran"/>
+        <a:font script="Knda" typeface="Tunga"/>
+        <a:font script="Guru" typeface="Raavi"/>
+        <a:font script="Cans" typeface="Euphemia"/>
+        <a:font script="Cher" typeface="Plantagenet Cherokee"/>
+        <a:font script="Yiii" typeface="Microsoft Yi Baiti"/>
+        <a:font script="Tibt" typeface="Microsoft Himalaya"/>
+        <a:font script="Thaa" typeface="MV Boli"/>
+        <a:font script="Deva" typeface="Mangal"/>
+        <a:font script="Telu" typeface="Gautami"/>
+        <a:font script="Taml" typeface="Latha"/>
+        <a:font script="Syrc" typeface="Estrangelo Edessa"/>
+        <a:font script="Orya" typeface="Kalinga"/>
+        <a:font script="Mlym" typeface="Kartika"/>
+        <a:font script="Laoo" typeface="DokChampa"/>
+        <a:font script="Sinh" typeface="Iskoola Pota"/>
+        <a:font script="Mong" typeface="Mongolian Baiti"/>
+        <a:font script="Viet" typeface="Times New Roman"/>
+        <a:font script="Uigh" typeface="Microsoft Uighur"/>
+        <a:font script="Geor" typeface="Sylfaen"/>
+        <a:font script="Armn" typeface="Arial"/>
+        <a:font script="Bugi" typeface="Leelawadee UI"/>
+        <a:font script="Bopo" typeface="Microsoft JhengHei"/>
+        <a:font script="Java" typeface="Javanese Text"/>
+        <a:font script="Lisu" typeface="Segoe UI"/>
+        <a:font script="Mymr" typeface="Myanmar Text"/>
+        <a:font script="Nkoo" typeface="Ebrima"/>
+        <a:font script="Olck" typeface="Nirmala UI"/>
+        <a:font script="Osma" typeface="Ebrima"/>
+        <a:font script="Phag" typeface="Phagspa"/>
+        <a:font script="Syrn" typeface="Estrangelo Edessa"/>
+        <a:font script="Syrj" typeface="Estrangelo Edessa"/>
+        <a:font script="Syre" typeface="Estrangelo Edessa"/>
+        <a:font script="Sora" typeface="Nirmala UI"/>
+        <a:font script="Tale" typeface="Microsoft Tai Le"/>
+        <a:font script="Talu" typeface="Microsoft New Tai Lue"/>
+        <a:font script="Tfng" typeface="Ebrima"/>
+      </a:majorFont>
+      <a:minorFont>
+        <a:latin typeface="Calibri" panose="020F0502020204030204"/>
+        <a:ea typeface=""/>
+        <a:cs typeface=""/>
+        <a:font script="Jpan" typeface="游ゴシック"/>
+        <a:font script="Hang" typeface="맑은 고딕"/>
+        <a:font script="Hans" typeface="等线"/>
+        <a:font script="Hant" typeface="新細明體"/>
+        <a:font script="Arab" typeface="Arial"/>
+        <a:font script="Hebr" typeface="Arial"/>
+        <a:font script="Thai" typeface="Cordia New"/>
+        <a:font script="Ethi" typeface="Nyala"/>
+        <a:font script="Beng" typeface="Vrinda"/>
+        <a:font script="Gujr" typeface="Shruti"/>
+        <a:font script="Khmr" typeface="DaunPenh"/>
+        <a:font script="Knda" typeface="Tunga"/>
+        <a:font script="Guru" typeface="Raavi"/>
+        <a:font script="Cans" typeface="Euphemia"/>
+        <a:font script="Cher" typeface="Plantagenet Cherokee"/>
+        <a:font script="Yiii" typeface="Microsoft Yi Baiti"/>
+        <a:font script="Tibt" typeface="Microsoft Himalaya"/>
+        <a:font script="Thaa" typeface="MV Boli"/>
+        <a:font script="Deva" typeface="Mangal"/>
+        <a:font script="Telu" typeface="Gautami"/>
+        <a:font script="Taml" typeface="Latha"/>
+        <a:font script="Syrc" typeface="Estrangelo Edessa"/>
+        <a:font script="Orya" typeface="Kalinga"/>
+        <a:font script="Mlym" typeface="Kartika"/>
+        <a:font script="Laoo" typeface="DokChampa"/>
+        <a:font script="Sinh" typeface="Iskoola Pota"/>
+        <a:font script="Mong" typeface="Mongolian Baiti"/>
+        <a:font script="Viet" typeface="Arial"/>
+        <a:font script="Uigh" typeface="Microsoft Uighur"/>
+        <a:font script="Geor" typeface="Sylfaen"/>
+        <a:font script="Armn" typeface="Arial"/>
+        <a:font script="Bugi" typeface="Leelawadee UI"/>
+        <a:font script="Bopo" typeface="Microsoft JhengHei"/>
+        <a:font script="Java" typeface="Javanese Text"/>
+        <a:font script="Lisu" typeface="Segoe UI"/>
+        <a:font script="Mymr" typeface="Myanmar Text"/>
+        <a:font script="Nkoo" typeface="Ebrima"/>
+        <a:font script="Olck" typeface="Nirmala UI"/>
+        <a:font script="Osma" typeface="Ebrima"/>
+        <a:font script="Phag" typeface="Phagspa"/>
+        <a:font script="Syrn" typeface="Estrangelo Edessa"/>
+        <a:font script="Syrj" typeface="Estrangelo Edessa"/>
+        <a:font script="Syre" typeface="Estrangelo Edessa"/>
+        <a:font script="Sora" typeface="Nirmala UI"/>
+        <a:font script="Tale" typeface="Microsoft Tai Le"/>
+        <a:font script="Talu" typeface="Microsoft New Tai Lue"/>
+        <a:font script="Tfng" typeface="Ebrima"/>
+      </a:minorFont>
+    </a:fontScheme>
+    <a:fmtScheme name="Office">
+      <a:fillStyleLst>
+        <a:solidFill>
+          <a:schemeClr val="phClr"/>
+        </a:solidFill>
+        <a:gradFill rotWithShape="1">
+          <a:gsLst>
+            <a:gs pos="0">
+              <a:schemeClr val="phClr">
+                <a:lumMod val="110000"/>
+                <a:satMod val="105000"/>
+                <a:tint val="67000"/>
+              </a:schemeClr>
+            </a:gs>
+            <a:gs pos="50000">
+              <a:schemeClr val="phClr">
+                <a:lumMod val="105000"/>
+                <a:satMod val="103000"/>
+                <a:tint val="73000"/>
+              </a:schemeClr>
+            </a:gs>
+            <a:gs pos="100000">
+              <a:schemeClr val="phClr">
+                <a:lumMod val="105000"/>
+                <a:satMod val="109000"/>
+                <a:tint val="81000"/>
+              </a:schemeClr>
+            </a:gs>
+          </a:gsLst>
+          <a:lin ang="5400000" scaled="0"/>
+        </a:gradFill>
+        <a:gradFill rotWithShape="1">
+          <a:gsLst>
+            <a:gs pos="0">
+              <a:schemeClr val="phClr">
+                <a:satMod val="103000"/>
+                <a:lumMod val="102000"/>
+                <a:tint val="94000"/>
+              </a:schemeClr>
+            </a:gs>
+            <a:gs pos="50000">
+              <a:schemeClr val="phClr">
+                <a:satMod val="110000"/>
+                <a:lumMod val="100000"/>
+                <a:shade val="100000"/>
+              </a:schemeClr>
+            </a:gs>
+            <a:gs pos="100000">
+              <a:schemeClr val="phClr">
+                <a:lumMod val="99000"/>
+                <a:satMod val="120000"/>
+                <a:shade val="78000"/>
+              </a:schemeClr>
+            </a:gs>
+          </a:gsLst>
+          <a:lin ang="5400000" scaled="0"/>
+        </a:gradFill>
+      </a:fillStyleLst>
+      <a:lnStyleLst>
+        <a:ln w="6350" cap="flat" cmpd="sng" algn="ctr">
+          <a:solidFill>
+            <a:schemeClr val="phClr"/>
+          </a:solidFill>
+          <a:prstDash val="solid"/>
+          <a:miter lim="800000"/>
+        </a:ln>
+        <a:ln w="12700" cap="flat" cmpd="sng" algn="ctr">
+          <a:solidFill>
+            <a:schemeClr val="phClr"/>
+          </a:solidFill>
+          <a:prstDash val="solid"/>
+          <a:miter lim="800000"/>
+        </a:ln>
+        <a:ln w="19050" cap="flat" cmpd="sng" algn="ctr">
+          <a:solidFill>
+            <a:schemeClr val="phClr"/>
+          </a:solidFill>
+          <a:prstDash val="solid"/>
+          <a:miter lim="800000"/>
+        </a:ln>
+      </a:lnStyleLst>
+      <a:effectStyleLst>
+        <a:effectStyle>
+          <a:effectLst/>
+        </a:effectStyle>
+        <a:effectStyle>
+          <a:effectLst/>
+        </a:effectStyle>
+        <a:effectStyle>
+          <a:effectLst>
+            <a:outerShdw blurRad="57150" dist="19050" dir="5400000" algn="ctr" rotWithShape="0">
+              <a:srgbClr val="000000">
+                <a:alpha val="63000"/>
+              </a:srgbClr>
+            </a:outerShdw>
+          </a:effectLst>
+        </a:effectStyle>
+      </a:effectStyleLst>
+      <a:bgFillStyleLst>
+        <a:solidFill>
+          <a:schemeClr val="phClr"/>
+        </a:solidFill>
+        <a:solidFill>
+          <a:schemeClr val="phClr">
+            <a:tint val="95000"/>
+            <a:satMod val="170000"/>
+          </a:schemeClr>
+        </a:solidFill>
+        <a:gradFill rotWithShape="1">
+          <a:gsLst>
+            <a:gs pos="0">
+              <a:schemeClr val="phClr">
+                <a:tint val="93000"/>
+                <a:satMod val="150000"/>
+                <a:shade val="98000"/>
+                <a:lumMod val="102000"/>
+              </a:schemeClr>
+            </a:gs>
+            <a:gs pos="50000">
+              <a:schemeClr val="phClr">
+                <a:tint val="98000"/>
+                <a:satMod val="130000"/>
+                <a:shade val="90000"/>
+                <a:lumMod val="103000"/>
+              </a:schemeClr>
+            </a:gs>
+            <a:gs pos="100000">
+              <a:schemeClr val="phClr">
+                <a:shade val="63000"/>
+                <a:satMod val="120000"/>
+              </a:schemeClr>
+            </a:gs>
+          </a:gsLst>
+          <a:lin ang="5400000" scaled="0"/>
+        </a:gradFill>
+      </a:bgFillStyleLst>
+    </a:fmtScheme>
+  </a:themeElements>
+  <a:objectDefaults/>
+  <a:extraClrSchemeLst/>
+  <a:extLst>
+    <a:ext uri="{05A4C25C-085E-4340-85A3-A5531E510DB2}">
+      <thm15:themeFamily xmlns:thm15="http://schemas.microsoft.com/office/thememl/2012/main" name="Office Theme" id="{62F939B6-93AF-4DB8-9C6B-D6C7DFDC589F}" vid="{4A3C46E8-61CC-4603-A589-7422A47A8E4A}"/>
+    </a:ext>
+  </a:extLst>
+</a:theme>
 </file>